--- a/data/Презентация.pptx
+++ b/data/Презентация.pptx
@@ -5,7 +5,7 @@
     <p:sldMasterId id="2147483648" r:id="rId1"/>
   </p:sldMasterIdLst>
   <p:notesMasterIdLst>
-    <p:notesMasterId r:id="rId14"/>
+    <p:notesMasterId r:id="rId17"/>
   </p:notesMasterIdLst>
   <p:sldIdLst>
     <p:sldId id="256" r:id="rId2"/>
@@ -16,10 +16,13 @@
     <p:sldId id="286" r:id="rId7"/>
     <p:sldId id="287" r:id="rId8"/>
     <p:sldId id="288" r:id="rId9"/>
-    <p:sldId id="289" r:id="rId10"/>
-    <p:sldId id="290" r:id="rId11"/>
-    <p:sldId id="291" r:id="rId12"/>
-    <p:sldId id="283" r:id="rId13"/>
+    <p:sldId id="293" r:id="rId10"/>
+    <p:sldId id="289" r:id="rId11"/>
+    <p:sldId id="290" r:id="rId12"/>
+    <p:sldId id="291" r:id="rId13"/>
+    <p:sldId id="292" r:id="rId14"/>
+    <p:sldId id="294" r:id="rId15"/>
+    <p:sldId id="283" r:id="rId16"/>
   </p:sldIdLst>
   <p:sldSz cx="9144000" cy="6858000" type="screen4x3"/>
   <p:notesSz cx="6858000" cy="9144000"/>
@@ -940,7 +943,7 @@
         <a:p>
           <a:r>
             <a:rPr lang="ru-RU" sz="2000" dirty="0" smtClean="0"/>
-            <a:t>Зацикленность игры</a:t>
+            <a:t>Игра заканчивается только при определенных условиях – закончилось время или вирус упал на землю</a:t>
           </a:r>
           <a:endParaRPr lang="ru-RU" sz="2000" dirty="0">
             <a:latin typeface="Arial" pitchFamily="34" charset="0"/>
@@ -1043,7 +1046,11 @@
           </a:r>
           <a:r>
             <a:rPr lang="ru-RU" sz="2000" dirty="0" smtClean="0"/>
-            <a:t> и запись его результатов в БД,  в зависимости от режима</a:t>
+            <a:t> и запись его результатов в </a:t>
+          </a:r>
+          <a:r>
+            <a:rPr lang="ru-RU" sz="2000" dirty="0" smtClean="0"/>
+            <a:t>БД выбранного режима</a:t>
           </a:r>
           <a:endParaRPr lang="ru-RU" sz="2000" dirty="0">
             <a:latin typeface="Arial" pitchFamily="34" charset="0"/>
@@ -1307,19 +1314,19 @@
     </dgm:pt>
   </dgm:ptLst>
   <dgm:cxnLst>
+    <dgm:cxn modelId="{1B50F683-0DEE-431E-95AD-7DEF7DF4A5E8}" srcId="{40BF7536-18E1-43EA-BA93-A4F6666277A3}" destId="{C1311809-AAD1-4EE8-A0DB-C4B086552A57}" srcOrd="1" destOrd="0" parTransId="{3AC75079-46FB-4391-934E-349C73B7A000}" sibTransId="{EF029F1A-0CF6-4B0F-BF71-E4742C8EF6AC}"/>
+    <dgm:cxn modelId="{7ED0453B-EEAC-4BBC-B08A-635D5F948978}" srcId="{C1311809-AAD1-4EE8-A0DB-C4B086552A57}" destId="{53C73B09-BB33-43E4-9AF9-3A4B7E4AC055}" srcOrd="0" destOrd="0" parTransId="{9482905D-3651-4984-BB9F-3D92AB64B6AE}" sibTransId="{C37A8D3E-D9CB-4232-BC5E-6D960E867583}"/>
+    <dgm:cxn modelId="{510CDB5F-0580-4DA6-B988-102F98717677}" srcId="{9B2B15E0-1247-4A61-A5ED-548FFE58E613}" destId="{95F06A5B-F24B-4DB8-A22D-F5B1BAE958DC}" srcOrd="0" destOrd="0" parTransId="{FF389BB7-ECDD-4B4E-B3AF-350477540210}" sibTransId="{679A91E2-18A9-49FC-99E5-B2C6E17F0B6B}"/>
+    <dgm:cxn modelId="{2226E296-37AA-467D-9037-42E93DD91921}" type="presOf" srcId="{9FE2A101-4DB2-4AF2-922F-CF4F06F11E61}" destId="{5FCC1714-FCA6-44E1-82AE-090051349B0C}" srcOrd="0" destOrd="0" presId="urn:microsoft.com/office/officeart/2005/8/layout/chevron2"/>
+    <dgm:cxn modelId="{D7E8230C-DD56-4BB1-AA87-BA17A80B778E}" type="presOf" srcId="{53C73B09-BB33-43E4-9AF9-3A4B7E4AC055}" destId="{0A078352-D930-407C-96B1-AFA896F765BE}" srcOrd="0" destOrd="0" presId="urn:microsoft.com/office/officeart/2005/8/layout/chevron2"/>
+    <dgm:cxn modelId="{0F609786-722E-4D1D-A4CC-5DE6A5CD8489}" srcId="{40BF7536-18E1-43EA-BA93-A4F6666277A3}" destId="{333F831F-2FF9-403B-BB3A-2CB627901A13}" srcOrd="0" destOrd="0" parTransId="{B0D869A4-3D63-4B1B-9C5A-71862D291EC0}" sibTransId="{2D1D71EB-021D-4B78-BE7A-7A44E7FB5F19}"/>
+    <dgm:cxn modelId="{D13B80F1-60D5-4E5C-992F-0E2E16F512E3}" type="presOf" srcId="{333F831F-2FF9-403B-BB3A-2CB627901A13}" destId="{108CEE4B-E3B7-41A7-9670-F920551C1F6A}" srcOrd="0" destOrd="0" presId="urn:microsoft.com/office/officeart/2005/8/layout/chevron2"/>
+    <dgm:cxn modelId="{A307606C-D3E0-4E31-A4D1-109DBFE1021E}" type="presOf" srcId="{95F06A5B-F24B-4DB8-A22D-F5B1BAE958DC}" destId="{02001599-A430-4E33-ACA2-D23422968A5A}" srcOrd="0" destOrd="0" presId="urn:microsoft.com/office/officeart/2005/8/layout/chevron2"/>
+    <dgm:cxn modelId="{B3560656-DEAF-4824-B666-A02A39B786DA}" type="presOf" srcId="{9B2B15E0-1247-4A61-A5ED-548FFE58E613}" destId="{F93F0672-920D-4C30-942C-C0E0A8EA49B6}" srcOrd="0" destOrd="0" presId="urn:microsoft.com/office/officeart/2005/8/layout/chevron2"/>
     <dgm:cxn modelId="{456454FF-E645-455C-A74B-797075937DB5}" type="presOf" srcId="{40BF7536-18E1-43EA-BA93-A4F6666277A3}" destId="{2CDAE567-BFE2-4AA8-B7D2-2A019BED574F}" srcOrd="0" destOrd="0" presId="urn:microsoft.com/office/officeart/2005/8/layout/chevron2"/>
     <dgm:cxn modelId="{56637A2E-B4C6-4AB0-BA8F-713011DA0499}" srcId="{40BF7536-18E1-43EA-BA93-A4F6666277A3}" destId="{9B2B15E0-1247-4A61-A5ED-548FFE58E613}" srcOrd="2" destOrd="0" parTransId="{128156FC-671C-4D20-BB83-9631013E4439}" sibTransId="{FB24AA32-4891-4E1F-8CF8-70231658B195}"/>
     <dgm:cxn modelId="{AD7F40D8-CF31-41CD-BD29-04050F466917}" type="presOf" srcId="{C1311809-AAD1-4EE8-A0DB-C4B086552A57}" destId="{EC4ABE22-C354-4B46-9C52-51889676F909}" srcOrd="0" destOrd="0" presId="urn:microsoft.com/office/officeart/2005/8/layout/chevron2"/>
-    <dgm:cxn modelId="{D13B80F1-60D5-4E5C-992F-0E2E16F512E3}" type="presOf" srcId="{333F831F-2FF9-403B-BB3A-2CB627901A13}" destId="{108CEE4B-E3B7-41A7-9670-F920551C1F6A}" srcOrd="0" destOrd="0" presId="urn:microsoft.com/office/officeart/2005/8/layout/chevron2"/>
-    <dgm:cxn modelId="{7ED0453B-EEAC-4BBC-B08A-635D5F948978}" srcId="{C1311809-AAD1-4EE8-A0DB-C4B086552A57}" destId="{53C73B09-BB33-43E4-9AF9-3A4B7E4AC055}" srcOrd="0" destOrd="0" parTransId="{9482905D-3651-4984-BB9F-3D92AB64B6AE}" sibTransId="{C37A8D3E-D9CB-4232-BC5E-6D960E867583}"/>
-    <dgm:cxn modelId="{2226E296-37AA-467D-9037-42E93DD91921}" type="presOf" srcId="{9FE2A101-4DB2-4AF2-922F-CF4F06F11E61}" destId="{5FCC1714-FCA6-44E1-82AE-090051349B0C}" srcOrd="0" destOrd="0" presId="urn:microsoft.com/office/officeart/2005/8/layout/chevron2"/>
     <dgm:cxn modelId="{173DEF41-1C96-42E2-B8BE-BAD7EC93B256}" srcId="{333F831F-2FF9-403B-BB3A-2CB627901A13}" destId="{9FE2A101-4DB2-4AF2-922F-CF4F06F11E61}" srcOrd="0" destOrd="0" parTransId="{75BBC93B-B64C-45DE-9740-E76ADE9A0341}" sibTransId="{BE27F2BF-57BD-4ED9-834D-DAFEBBDA3EBB}"/>
-    <dgm:cxn modelId="{B3560656-DEAF-4824-B666-A02A39B786DA}" type="presOf" srcId="{9B2B15E0-1247-4A61-A5ED-548FFE58E613}" destId="{F93F0672-920D-4C30-942C-C0E0A8EA49B6}" srcOrd="0" destOrd="0" presId="urn:microsoft.com/office/officeart/2005/8/layout/chevron2"/>
-    <dgm:cxn modelId="{A307606C-D3E0-4E31-A4D1-109DBFE1021E}" type="presOf" srcId="{95F06A5B-F24B-4DB8-A22D-F5B1BAE958DC}" destId="{02001599-A430-4E33-ACA2-D23422968A5A}" srcOrd="0" destOrd="0" presId="urn:microsoft.com/office/officeart/2005/8/layout/chevron2"/>
-    <dgm:cxn modelId="{D7E8230C-DD56-4BB1-AA87-BA17A80B778E}" type="presOf" srcId="{53C73B09-BB33-43E4-9AF9-3A4B7E4AC055}" destId="{0A078352-D930-407C-96B1-AFA896F765BE}" srcOrd="0" destOrd="0" presId="urn:microsoft.com/office/officeart/2005/8/layout/chevron2"/>
-    <dgm:cxn modelId="{1B50F683-0DEE-431E-95AD-7DEF7DF4A5E8}" srcId="{40BF7536-18E1-43EA-BA93-A4F6666277A3}" destId="{C1311809-AAD1-4EE8-A0DB-C4B086552A57}" srcOrd="1" destOrd="0" parTransId="{3AC75079-46FB-4391-934E-349C73B7A000}" sibTransId="{EF029F1A-0CF6-4B0F-BF71-E4742C8EF6AC}"/>
-    <dgm:cxn modelId="{0F609786-722E-4D1D-A4CC-5DE6A5CD8489}" srcId="{40BF7536-18E1-43EA-BA93-A4F6666277A3}" destId="{333F831F-2FF9-403B-BB3A-2CB627901A13}" srcOrd="0" destOrd="0" parTransId="{B0D869A4-3D63-4B1B-9C5A-71862D291EC0}" sibTransId="{2D1D71EB-021D-4B78-BE7A-7A44E7FB5F19}"/>
-    <dgm:cxn modelId="{510CDB5F-0580-4DA6-B988-102F98717677}" srcId="{9B2B15E0-1247-4A61-A5ED-548FFE58E613}" destId="{95F06A5B-F24B-4DB8-A22D-F5B1BAE958DC}" srcOrd="0" destOrd="0" parTransId="{FF389BB7-ECDD-4B4E-B3AF-350477540210}" sibTransId="{679A91E2-18A9-49FC-99E5-B2C6E17F0B6B}"/>
     <dgm:cxn modelId="{D6BBD003-AF40-4422-BF6E-B40B2005D14C}" type="presParOf" srcId="{2CDAE567-BFE2-4AA8-B7D2-2A019BED574F}" destId="{C3A69624-B3FD-46BB-9AE6-EF3BA8C45062}" srcOrd="0" destOrd="0" presId="urn:microsoft.com/office/officeart/2005/8/layout/chevron2"/>
     <dgm:cxn modelId="{B58D9027-1849-4FFE-9EE9-096AD399B860}" type="presParOf" srcId="{C3A69624-B3FD-46BB-9AE6-EF3BA8C45062}" destId="{108CEE4B-E3B7-41A7-9670-F920551C1F6A}" srcOrd="0" destOrd="0" presId="urn:microsoft.com/office/officeart/2005/8/layout/chevron2"/>
     <dgm:cxn modelId="{DA609C09-73DA-44E9-8611-D9940C1B5FDF}" type="presParOf" srcId="{C3A69624-B3FD-46BB-9AE6-EF3BA8C45062}" destId="{5FCC1714-FCA6-44E1-82AE-090051349B0C}" srcOrd="1" destOrd="0" presId="urn:microsoft.com/office/officeart/2005/8/layout/chevron2"/>
@@ -1500,7 +1507,7 @@
           </a:pPr>
           <a:r>
             <a:rPr lang="ru-RU" sz="2000" kern="1200" dirty="0" smtClean="0"/>
-            <a:t>Зацикленность игры</a:t>
+            <a:t>Игра заканчивается только при определенных условиях – закончилось время или вирус упал на землю</a:t>
           </a:r>
           <a:endParaRPr lang="ru-RU" sz="2000" kern="1200" dirty="0">
             <a:latin typeface="Arial" pitchFamily="34" charset="0"/>
@@ -1671,7 +1678,11 @@
           </a:r>
           <a:r>
             <a:rPr lang="ru-RU" sz="2000" kern="1200" dirty="0" smtClean="0"/>
-            <a:t> и запись его результатов в БД,  в зависимости от режима</a:t>
+            <a:t> и запись его результатов в </a:t>
+          </a:r>
+          <a:r>
+            <a:rPr lang="ru-RU" sz="2000" kern="1200" dirty="0" smtClean="0"/>
+            <a:t>БД выбранного режима</a:t>
           </a:r>
           <a:endParaRPr lang="ru-RU" sz="2000" kern="1200" dirty="0">
             <a:latin typeface="Arial" pitchFamily="34" charset="0"/>
@@ -3223,7 +3234,7 @@
           <a:p>
             <a:fld id="{A8F1FB42-FB98-4363-99EB-3578B99245C9}" type="datetimeFigureOut">
               <a:rPr lang="ru-RU" smtClean="0"/>
-              <a:t>17.01.2022</a:t>
+              <a:t>24.01.2022</a:t>
             </a:fld>
             <a:endParaRPr lang="ru-RU"/>
           </a:p>
@@ -3674,7 +3685,7 @@
           <a:p>
             <a:fld id="{D40C43BC-0354-4282-BE3E-951BF6CA69A7}" type="datetimeFigureOut">
               <a:rPr lang="ru-RU" smtClean="0"/>
-              <a:t>17.01.2022</a:t>
+              <a:t>24.01.2022</a:t>
             </a:fld>
             <a:endParaRPr lang="ru-RU"/>
           </a:p>
@@ -3839,7 +3850,7 @@
           <a:p>
             <a:fld id="{D40C43BC-0354-4282-BE3E-951BF6CA69A7}" type="datetimeFigureOut">
               <a:rPr lang="ru-RU" smtClean="0"/>
-              <a:t>17.01.2022</a:t>
+              <a:t>24.01.2022</a:t>
             </a:fld>
             <a:endParaRPr lang="ru-RU"/>
           </a:p>
@@ -4014,7 +4025,7 @@
           <a:p>
             <a:fld id="{D40C43BC-0354-4282-BE3E-951BF6CA69A7}" type="datetimeFigureOut">
               <a:rPr lang="ru-RU" smtClean="0"/>
-              <a:t>17.01.2022</a:t>
+              <a:t>24.01.2022</a:t>
             </a:fld>
             <a:endParaRPr lang="ru-RU"/>
           </a:p>
@@ -4586,7 +4597,7 @@
           <a:p>
             <a:fld id="{D40C43BC-0354-4282-BE3E-951BF6CA69A7}" type="datetimeFigureOut">
               <a:rPr lang="ru-RU" smtClean="0"/>
-              <a:t>17.01.2022</a:t>
+              <a:t>24.01.2022</a:t>
             </a:fld>
             <a:endParaRPr lang="ru-RU"/>
           </a:p>
@@ -4827,7 +4838,7 @@
           <a:p>
             <a:fld id="{D40C43BC-0354-4282-BE3E-951BF6CA69A7}" type="datetimeFigureOut">
               <a:rPr lang="ru-RU" smtClean="0"/>
-              <a:t>17.01.2022</a:t>
+              <a:t>24.01.2022</a:t>
             </a:fld>
             <a:endParaRPr lang="ru-RU"/>
           </a:p>
@@ -5110,7 +5121,7 @@
           <a:p>
             <a:fld id="{D40C43BC-0354-4282-BE3E-951BF6CA69A7}" type="datetimeFigureOut">
               <a:rPr lang="ru-RU" smtClean="0"/>
-              <a:t>17.01.2022</a:t>
+              <a:t>24.01.2022</a:t>
             </a:fld>
             <a:endParaRPr lang="ru-RU"/>
           </a:p>
@@ -5527,7 +5538,7 @@
           <a:p>
             <a:fld id="{D40C43BC-0354-4282-BE3E-951BF6CA69A7}" type="datetimeFigureOut">
               <a:rPr lang="ru-RU" smtClean="0"/>
-              <a:t>17.01.2022</a:t>
+              <a:t>24.01.2022</a:t>
             </a:fld>
             <a:endParaRPr lang="ru-RU"/>
           </a:p>
@@ -5640,7 +5651,7 @@
           <a:p>
             <a:fld id="{D40C43BC-0354-4282-BE3E-951BF6CA69A7}" type="datetimeFigureOut">
               <a:rPr lang="ru-RU" smtClean="0"/>
-              <a:t>17.01.2022</a:t>
+              <a:t>24.01.2022</a:t>
             </a:fld>
             <a:endParaRPr lang="ru-RU"/>
           </a:p>
@@ -5730,7 +5741,7 @@
           <a:p>
             <a:fld id="{D40C43BC-0354-4282-BE3E-951BF6CA69A7}" type="datetimeFigureOut">
               <a:rPr lang="ru-RU" smtClean="0"/>
-              <a:t>17.01.2022</a:t>
+              <a:t>24.01.2022</a:t>
             </a:fld>
             <a:endParaRPr lang="ru-RU"/>
           </a:p>
@@ -6002,7 +6013,7 @@
           <a:p>
             <a:fld id="{D40C43BC-0354-4282-BE3E-951BF6CA69A7}" type="datetimeFigureOut">
               <a:rPr lang="ru-RU" smtClean="0"/>
-              <a:t>17.01.2022</a:t>
+              <a:t>24.01.2022</a:t>
             </a:fld>
             <a:endParaRPr lang="ru-RU"/>
           </a:p>
@@ -6250,7 +6261,7 @@
           <a:p>
             <a:fld id="{D40C43BC-0354-4282-BE3E-951BF6CA69A7}" type="datetimeFigureOut">
               <a:rPr lang="ru-RU" smtClean="0"/>
-              <a:t>17.01.2022</a:t>
+              <a:t>24.01.2022</a:t>
             </a:fld>
             <a:endParaRPr lang="ru-RU"/>
           </a:p>
@@ -6458,7 +6469,7 @@
           <a:p>
             <a:fld id="{D40C43BC-0354-4282-BE3E-951BF6CA69A7}" type="datetimeFigureOut">
               <a:rPr lang="ru-RU" smtClean="0"/>
-              <a:t>17.01.2022</a:t>
+              <a:t>24.01.2022</a:t>
             </a:fld>
             <a:endParaRPr lang="ru-RU"/>
           </a:p>
@@ -7118,17 +7129,7 @@
                   </a:schemeClr>
                 </a:solidFill>
               </a:rPr>
-              <a:t>Курск, </a:t>
-            </a:r>
-            <a:r>
-              <a:rPr lang="ru-RU" dirty="0" smtClean="0">
-                <a:solidFill>
-                  <a:schemeClr val="accent1">
-                    <a:lumMod val="75000"/>
-                  </a:schemeClr>
-                </a:solidFill>
-              </a:rPr>
-              <a:t>2022</a:t>
+              <a:t>Курск, 2022</a:t>
             </a:r>
             <a:endParaRPr lang="ru-RU" dirty="0">
               <a:solidFill>
@@ -7230,6 +7231,141 @@
 </file>
 
 <file path=ppt/slides/slide10.xml><?xml version="1.0" encoding="utf-8"?>
+<p:sld xmlns:a="http://schemas.openxmlformats.org/drawingml/2006/main" xmlns:r="http://schemas.openxmlformats.org/officeDocument/2006/relationships" xmlns:p="http://schemas.openxmlformats.org/presentationml/2006/main">
+  <p:cSld>
+    <p:spTree>
+      <p:nvGrpSpPr>
+        <p:cNvPr id="1" name=""/>
+        <p:cNvGrpSpPr/>
+        <p:nvPr/>
+      </p:nvGrpSpPr>
+      <p:grpSpPr>
+        <a:xfrm>
+          <a:off x="0" y="0"/>
+          <a:ext cx="0" cy="0"/>
+          <a:chOff x="0" y="0"/>
+          <a:chExt cx="0" cy="0"/>
+        </a:xfrm>
+      </p:grpSpPr>
+      <p:sp>
+        <p:nvSpPr>
+          <p:cNvPr id="2" name="Заголовок 1"/>
+          <p:cNvSpPr>
+            <a:spLocks noGrp="1"/>
+          </p:cNvSpPr>
+          <p:nvPr>
+            <p:ph type="title"/>
+          </p:nvPr>
+        </p:nvSpPr>
+        <p:spPr/>
+        <p:txBody>
+          <a:bodyPr>
+            <a:noAutofit/>
+          </a:bodyPr>
+          <a:lstStyle/>
+          <a:p>
+            <a:r>
+              <a:rPr lang="ru-RU" sz="2800" b="1" dirty="0" smtClean="0">
+                <a:effectLst>
+                  <a:outerShdw blurRad="38100" dist="38100" dir="2700000" algn="tl">
+                    <a:srgbClr val="000000">
+                      <a:alpha val="43137"/>
+                    </a:srgbClr>
+                  </a:outerShdw>
+                </a:effectLst>
+              </a:rPr>
+              <a:t>ПРЕИМУЩЕСТВА ПРОГРАММНОЙ РЕАЛИЗАЦИИ</a:t>
+            </a:r>
+            <a:endParaRPr lang="ru-RU" sz="2800" b="1" dirty="0">
+              <a:effectLst>
+                <a:outerShdw blurRad="38100" dist="38100" dir="2700000" algn="tl">
+                  <a:srgbClr val="000000">
+                    <a:alpha val="43137"/>
+                  </a:srgbClr>
+                </a:outerShdw>
+              </a:effectLst>
+            </a:endParaRPr>
+          </a:p>
+        </p:txBody>
+      </p:sp>
+      <p:sp>
+        <p:nvSpPr>
+          <p:cNvPr id="3" name="Объект 2"/>
+          <p:cNvSpPr>
+            <a:spLocks noGrp="1"/>
+          </p:cNvSpPr>
+          <p:nvPr>
+            <p:ph idx="1"/>
+          </p:nvPr>
+        </p:nvSpPr>
+        <p:spPr>
+          <a:xfrm>
+            <a:off x="395536" y="1412776"/>
+            <a:ext cx="8229600" cy="820688"/>
+          </a:xfrm>
+        </p:spPr>
+        <p:txBody>
+          <a:bodyPr>
+            <a:normAutofit/>
+          </a:bodyPr>
+          <a:lstStyle/>
+          <a:p>
+            <a:pPr marL="0" indent="0">
+              <a:buNone/>
+            </a:pPr>
+            <a:r>
+              <a:rPr lang="ru-RU" sz="2600" dirty="0" smtClean="0"/>
+              <a:t>В программе реализованы следующие возможности</a:t>
+            </a:r>
+            <a:r>
+              <a:rPr lang="en-US" sz="2600" dirty="0" smtClean="0"/>
+              <a:t>:</a:t>
+            </a:r>
+          </a:p>
+        </p:txBody>
+      </p:sp>
+      <p:graphicFrame>
+        <p:nvGraphicFramePr>
+          <p:cNvPr id="4" name="Схема 3">
+            <a:extLst>
+              <a:ext uri="{FF2B5EF4-FFF2-40B4-BE49-F238E27FC236}">
+                <a16:creationId xmlns="" xmlns:a16="http://schemas.microsoft.com/office/drawing/2014/main" id="{6333FE63-DD7C-4D06-9A4F-B8486D65266A}"/>
+              </a:ext>
+            </a:extLst>
+          </p:cNvPr>
+          <p:cNvGraphicFramePr/>
+          <p:nvPr>
+            <p:extLst>
+              <p:ext uri="{D42A27DB-BD31-4B8C-83A1-F6EECF244321}">
+                <p14:modId xmlns:p14="http://schemas.microsoft.com/office/powerpoint/2010/main" val="3550013384"/>
+              </p:ext>
+            </p:extLst>
+          </p:nvPr>
+        </p:nvGraphicFramePr>
+        <p:xfrm>
+          <a:off x="539552" y="1988840"/>
+          <a:ext cx="7992888" cy="4176464"/>
+        </p:xfrm>
+        <a:graphic>
+          <a:graphicData uri="http://schemas.openxmlformats.org/drawingml/2006/diagram">
+            <dgm:relIds xmlns:dgm="http://schemas.openxmlformats.org/drawingml/2006/diagram" xmlns:r="http://schemas.openxmlformats.org/officeDocument/2006/relationships" r:dm="rId2" r:lo="rId3" r:qs="rId4" r:cs="rId5"/>
+          </a:graphicData>
+        </a:graphic>
+      </p:graphicFrame>
+    </p:spTree>
+    <p:extLst>
+      <p:ext uri="{BB962C8B-B14F-4D97-AF65-F5344CB8AC3E}">
+        <p14:creationId xmlns:p14="http://schemas.microsoft.com/office/powerpoint/2010/main" val="1488949067"/>
+      </p:ext>
+    </p:extLst>
+  </p:cSld>
+  <p:clrMapOvr>
+    <a:masterClrMapping/>
+  </p:clrMapOvr>
+</p:sld>
+</file>
+
+<file path=ppt/slides/slide11.xml><?xml version="1.0" encoding="utf-8"?>
 <p:sld xmlns:a="http://schemas.openxmlformats.org/drawingml/2006/main" xmlns:r="http://schemas.openxmlformats.org/officeDocument/2006/relationships" xmlns:p="http://schemas.openxmlformats.org/presentationml/2006/main">
   <p:cSld>
     <p:spTree>
@@ -7433,7 +7569,7 @@
 </p:sld>
 </file>
 
-<file path=ppt/slides/slide11.xml><?xml version="1.0" encoding="utf-8"?>
+<file path=ppt/slides/slide12.xml><?xml version="1.0" encoding="utf-8"?>
 <p:sld xmlns:a="http://schemas.openxmlformats.org/drawingml/2006/main" xmlns:r="http://schemas.openxmlformats.org/officeDocument/2006/relationships" xmlns:p="http://schemas.openxmlformats.org/presentationml/2006/main">
   <p:cSld>
     <p:spTree>
@@ -7597,7 +7733,197 @@
 </p:sld>
 </file>
 
-<file path=ppt/slides/slide12.xml><?xml version="1.0" encoding="utf-8"?>
+<file path=ppt/slides/slide13.xml><?xml version="1.0" encoding="utf-8"?>
+<p:sld xmlns:a="http://schemas.openxmlformats.org/drawingml/2006/main" xmlns:r="http://schemas.openxmlformats.org/officeDocument/2006/relationships" xmlns:p="http://schemas.openxmlformats.org/presentationml/2006/main">
+  <p:cSld>
+    <p:spTree>
+      <p:nvGrpSpPr>
+        <p:cNvPr id="1" name=""/>
+        <p:cNvGrpSpPr/>
+        <p:nvPr/>
+      </p:nvGrpSpPr>
+      <p:grpSpPr>
+        <a:xfrm>
+          <a:off x="0" y="0"/>
+          <a:ext cx="0" cy="0"/>
+          <a:chOff x="0" y="0"/>
+          <a:chExt cx="0" cy="0"/>
+        </a:xfrm>
+      </p:grpSpPr>
+      <p:sp>
+        <p:nvSpPr>
+          <p:cNvPr id="2" name="Заголовок 1"/>
+          <p:cNvSpPr>
+            <a:spLocks noGrp="1"/>
+          </p:cNvSpPr>
+          <p:nvPr>
+            <p:ph type="title"/>
+          </p:nvPr>
+        </p:nvSpPr>
+        <p:spPr>
+          <a:xfrm>
+            <a:off x="395536" y="-35647"/>
+            <a:ext cx="8229600" cy="1143000"/>
+          </a:xfrm>
+        </p:spPr>
+        <p:txBody>
+          <a:bodyPr/>
+          <a:lstStyle/>
+          <a:p>
+            <a:r>
+              <a:rPr lang="ru-RU" dirty="0" smtClean="0"/>
+              <a:t>Главное окно с игрой</a:t>
+            </a:r>
+            <a:endParaRPr lang="ru-RU" dirty="0"/>
+          </a:p>
+        </p:txBody>
+      </p:sp>
+      <p:pic>
+        <p:nvPicPr>
+          <p:cNvPr id="1026" name="Picture 2"/>
+          <p:cNvPicPr>
+            <a:picLocks noChangeAspect="1" noChangeArrowheads="1"/>
+          </p:cNvPicPr>
+          <p:nvPr/>
+        </p:nvPicPr>
+        <p:blipFill>
+          <a:blip r:embed="rId2">
+            <a:extLst>
+              <a:ext uri="{28A0092B-C50C-407E-A947-70E740481C1C}">
+                <a14:useLocalDpi xmlns:a14="http://schemas.microsoft.com/office/drawing/2010/main" val="0"/>
+              </a:ext>
+            </a:extLst>
+          </a:blip>
+          <a:srcRect/>
+          <a:stretch>
+            <a:fillRect/>
+          </a:stretch>
+        </p:blipFill>
+        <p:spPr bwMode="auto">
+          <a:xfrm>
+            <a:off x="1115616" y="908720"/>
+            <a:ext cx="6671270" cy="5816409"/>
+          </a:xfrm>
+          <a:prstGeom prst="rect">
+            <a:avLst/>
+          </a:prstGeom>
+          <a:noFill/>
+          <a:ln>
+            <a:noFill/>
+          </a:ln>
+          <a:effectLst/>
+          <a:extLst>
+            <a:ext uri="{909E8E84-426E-40DD-AFC4-6F175D3DCCD1}">
+              <a14:hiddenFill xmlns:a14="http://schemas.microsoft.com/office/drawing/2010/main">
+                <a:solidFill>
+                  <a:schemeClr val="accent1"/>
+                </a:solidFill>
+              </a14:hiddenFill>
+            </a:ext>
+            <a:ext uri="{91240B29-F687-4F45-9708-019B960494DF}">
+              <a14:hiddenLine xmlns:a14="http://schemas.microsoft.com/office/drawing/2010/main" w="9525">
+                <a:solidFill>
+                  <a:schemeClr val="tx1"/>
+                </a:solidFill>
+                <a:miter lim="800000"/>
+                <a:headEnd/>
+                <a:tailEnd/>
+              </a14:hiddenLine>
+            </a:ext>
+            <a:ext uri="{AF507438-7753-43E0-B8FC-AC1667EBCBE1}">
+              <a14:hiddenEffects xmlns:a14="http://schemas.microsoft.com/office/drawing/2010/main">
+                <a:effectLst>
+                  <a:outerShdw dist="35921" dir="2700000" algn="ctr" rotWithShape="0">
+                    <a:schemeClr val="bg2"/>
+                  </a:outerShdw>
+                </a:effectLst>
+              </a14:hiddenEffects>
+            </a:ext>
+          </a:extLst>
+        </p:spPr>
+      </p:pic>
+    </p:spTree>
+    <p:extLst>
+      <p:ext uri="{BB962C8B-B14F-4D97-AF65-F5344CB8AC3E}">
+        <p14:creationId xmlns:p14="http://schemas.microsoft.com/office/powerpoint/2010/main" val="1571916916"/>
+      </p:ext>
+    </p:extLst>
+  </p:cSld>
+  <p:clrMapOvr>
+    <a:masterClrMapping/>
+  </p:clrMapOvr>
+</p:sld>
+</file>
+
+<file path=ppt/slides/slide14.xml><?xml version="1.0" encoding="utf-8"?>
+<p:sld xmlns:a="http://schemas.openxmlformats.org/drawingml/2006/main" xmlns:r="http://schemas.openxmlformats.org/officeDocument/2006/relationships" xmlns:p="http://schemas.openxmlformats.org/presentationml/2006/main">
+  <p:cSld>
+    <p:spTree>
+      <p:nvGrpSpPr>
+        <p:cNvPr id="1" name=""/>
+        <p:cNvGrpSpPr/>
+        <p:nvPr/>
+      </p:nvGrpSpPr>
+      <p:grpSpPr>
+        <a:xfrm>
+          <a:off x="0" y="0"/>
+          <a:ext cx="0" cy="0"/>
+          <a:chOff x="0" y="0"/>
+          <a:chExt cx="0" cy="0"/>
+        </a:xfrm>
+      </p:grpSpPr>
+      <p:sp>
+        <p:nvSpPr>
+          <p:cNvPr id="2" name="Заголовок 1"/>
+          <p:cNvSpPr>
+            <a:spLocks noGrp="1"/>
+          </p:cNvSpPr>
+          <p:nvPr>
+            <p:ph type="title"/>
+          </p:nvPr>
+        </p:nvSpPr>
+        <p:spPr/>
+        <p:txBody>
+          <a:bodyPr/>
+          <a:lstStyle/>
+          <a:p>
+            <a:endParaRPr lang="ru-RU"/>
+          </a:p>
+        </p:txBody>
+      </p:sp>
+      <p:sp>
+        <p:nvSpPr>
+          <p:cNvPr id="3" name="Объект 2"/>
+          <p:cNvSpPr>
+            <a:spLocks noGrp="1"/>
+          </p:cNvSpPr>
+          <p:nvPr>
+            <p:ph idx="1"/>
+          </p:nvPr>
+        </p:nvSpPr>
+        <p:spPr/>
+        <p:txBody>
+          <a:bodyPr/>
+          <a:lstStyle/>
+          <a:p>
+            <a:endParaRPr lang="ru-RU"/>
+          </a:p>
+        </p:txBody>
+      </p:sp>
+    </p:spTree>
+    <p:extLst>
+      <p:ext uri="{BB962C8B-B14F-4D97-AF65-F5344CB8AC3E}">
+        <p14:creationId xmlns:p14="http://schemas.microsoft.com/office/powerpoint/2010/main" val="2160787429"/>
+      </p:ext>
+    </p:extLst>
+  </p:cSld>
+  <p:clrMapOvr>
+    <a:masterClrMapping/>
+  </p:clrMapOvr>
+</p:sld>
+</file>
+
+<file path=ppt/slides/slide15.xml><?xml version="1.0" encoding="utf-8"?>
 <p:sld xmlns:a="http://schemas.openxmlformats.org/drawingml/2006/main" xmlns:r="http://schemas.openxmlformats.org/officeDocument/2006/relationships" xmlns:p="http://schemas.openxmlformats.org/presentationml/2006/main">
   <p:cSld>
     <p:spTree>
@@ -10822,7 +11148,6 @@
               <a:rPr lang="ru-RU" dirty="0"/>
               <a:t>Движение персонажа с помощью стрелок</a:t>
             </a:r>
-            <a:endParaRPr lang="ru-RU" dirty="0"/>
           </a:p>
         </p:txBody>
       </p:sp>
@@ -11096,7 +11421,6 @@
               <a:rPr lang="ru-RU" dirty="0"/>
               <a:t>Бесконечно падающие объекты, вплоть до окончания игры</a:t>
             </a:r>
-            <a:endParaRPr lang="ru-RU" dirty="0"/>
           </a:p>
         </p:txBody>
       </p:sp>
@@ -12636,7 +12960,7 @@
           <p:nvPr/>
         </p:nvPicPr>
         <p:blipFill>
-          <a:blip r:embed="rId2" cstate="print">
+          <a:blip cstate="print">
             <a:extLst>
               <a:ext uri="{28A0092B-C50C-407E-A947-70E740481C1C}">
                 <a14:useLocalDpi xmlns:a14="http://schemas.microsoft.com/office/drawing/2010/main" val="0"/>
@@ -12677,7 +13001,7 @@
           <p:nvPr/>
         </p:nvPicPr>
         <p:blipFill>
-          <a:blip r:embed="rId3" cstate="print">
+          <a:blip r:embed="rId2" cstate="print">
             <a:extLst>
               <a:ext uri="{28A0092B-C50C-407E-A947-70E740481C1C}">
                 <a14:useLocalDpi xmlns:a14="http://schemas.microsoft.com/office/drawing/2010/main" val="0"/>
@@ -12769,7 +13093,7 @@
           <p:nvPr/>
         </p:nvPicPr>
         <p:blipFill>
-          <a:blip r:embed="rId4" cstate="print">
+          <a:blip r:embed="rId3" cstate="print">
             <a:extLst>
               <a:ext uri="{28A0092B-C50C-407E-A947-70E740481C1C}">
                 <a14:useLocalDpi xmlns:a14="http://schemas.microsoft.com/office/drawing/2010/main" val="0"/>
@@ -12810,7 +13134,7 @@
           <p:nvPr/>
         </p:nvPicPr>
         <p:blipFill>
-          <a:blip r:embed="rId5" cstate="print">
+          <a:blip r:embed="rId4" cstate="print">
             <a:extLst>
               <a:ext uri="{28A0092B-C50C-407E-A947-70E740481C1C}">
                 <a14:useLocalDpi xmlns:a14="http://schemas.microsoft.com/office/drawing/2010/main" val="0"/>
@@ -14605,115 +14929,83 @@
           <a:chExt cx="0" cy="0"/>
         </a:xfrm>
       </p:grpSpPr>
-      <p:sp>
-        <p:nvSpPr>
-          <p:cNvPr id="2" name="Заголовок 1"/>
-          <p:cNvSpPr>
-            <a:spLocks noGrp="1"/>
-          </p:cNvSpPr>
-          <p:nvPr>
-            <p:ph type="title"/>
-          </p:nvPr>
-        </p:nvSpPr>
-        <p:spPr/>
-        <p:txBody>
-          <a:bodyPr>
-            <a:noAutofit/>
-          </a:bodyPr>
-          <a:lstStyle/>
-          <a:p>
-            <a:r>
-              <a:rPr lang="ru-RU" sz="2800" b="1" dirty="0" smtClean="0">
-                <a:effectLst>
-                  <a:outerShdw blurRad="38100" dist="38100" dir="2700000" algn="tl">
-                    <a:srgbClr val="000000">
-                      <a:alpha val="43137"/>
-                    </a:srgbClr>
-                  </a:outerShdw>
-                </a:effectLst>
-              </a:rPr>
-              <a:t>ПРЕИМУЩЕСТВА ПРОГРАММНОЙ РЕАЛИЗАЦИИ</a:t>
-            </a:r>
-            <a:endParaRPr lang="ru-RU" sz="2800" b="1" dirty="0">
-              <a:effectLst>
-                <a:outerShdw blurRad="38100" dist="38100" dir="2700000" algn="tl">
-                  <a:srgbClr val="000000">
-                    <a:alpha val="43137"/>
-                  </a:srgbClr>
-                </a:outerShdw>
-              </a:effectLst>
-            </a:endParaRPr>
-          </a:p>
-        </p:txBody>
-      </p:sp>
-      <p:sp>
-        <p:nvSpPr>
-          <p:cNvPr id="3" name="Объект 2"/>
-          <p:cNvSpPr>
-            <a:spLocks noGrp="1"/>
-          </p:cNvSpPr>
+      <p:pic>
+        <p:nvPicPr>
+          <p:cNvPr id="1026" name="Picture 2" descr="https://raw.githubusercontent.com/Artpukh/pygame-project/b9485059fe94d6213394d1f6c57c38122767c12c/data/diag_pg.jpg"/>
+          <p:cNvPicPr>
+            <a:picLocks noGrp="1" noChangeAspect="1" noChangeArrowheads="1"/>
+          </p:cNvPicPr>
           <p:nvPr>
             <p:ph idx="1"/>
           </p:nvPr>
+        </p:nvPicPr>
+        <p:blipFill>
+          <a:blip r:embed="rId2">
+            <a:extLst>
+              <a:ext uri="{28A0092B-C50C-407E-A947-70E740481C1C}">
+                <a14:useLocalDpi xmlns:a14="http://schemas.microsoft.com/office/drawing/2010/main" val="0"/>
+              </a:ext>
+            </a:extLst>
+          </a:blip>
+          <a:srcRect/>
+          <a:stretch>
+            <a:fillRect/>
+          </a:stretch>
+        </p:blipFill>
+        <p:spPr bwMode="auto">
+          <a:xfrm>
+            <a:off x="457200" y="3052497"/>
+            <a:ext cx="8229600" cy="1621369"/>
+          </a:xfrm>
+          <a:prstGeom prst="rect">
+            <a:avLst/>
+          </a:prstGeom>
+          <a:noFill/>
+          <a:extLst>
+            <a:ext uri="{909E8E84-426E-40DD-AFC4-6F175D3DCCD1}">
+              <a14:hiddenFill xmlns:a14="http://schemas.microsoft.com/office/drawing/2010/main">
+                <a:solidFill>
+                  <a:srgbClr val="FFFFFF"/>
+                </a:solidFill>
+              </a14:hiddenFill>
+            </a:ext>
+          </a:extLst>
+        </p:spPr>
+      </p:pic>
+      <p:sp>
+        <p:nvSpPr>
+          <p:cNvPr id="4" name="TextBox 3"/>
+          <p:cNvSpPr txBox="1"/>
+          <p:nvPr/>
         </p:nvSpPr>
         <p:spPr>
           <a:xfrm>
-            <a:off x="395536" y="1412776"/>
-            <a:ext cx="8229600" cy="820688"/>
+            <a:off x="107504" y="978045"/>
+            <a:ext cx="8896282" cy="523220"/>
           </a:xfrm>
+          <a:prstGeom prst="rect">
+            <a:avLst/>
+          </a:prstGeom>
+          <a:noFill/>
         </p:spPr>
         <p:txBody>
-          <a:bodyPr>
-            <a:normAutofit/>
+          <a:bodyPr wrap="none" rtlCol="0">
+            <a:spAutoFit/>
           </a:bodyPr>
           <a:lstStyle/>
           <a:p>
-            <a:pPr marL="0" indent="0">
-              <a:buNone/>
-            </a:pPr>
-            <a:r>
-              <a:rPr lang="ru-RU" sz="2600" dirty="0" smtClean="0"/>
-              <a:t>В программе реализованы следующие возможности</a:t>
-            </a:r>
-            <a:r>
-              <a:rPr lang="en-US" sz="2600" dirty="0" smtClean="0"/>
-              <a:t>:</a:t>
-            </a:r>
-          </a:p>
-        </p:txBody>
-      </p:sp>
-      <p:graphicFrame>
-        <p:nvGraphicFramePr>
-          <p:cNvPr id="4" name="Схема 3">
-            <a:extLst>
-              <a:ext uri="{FF2B5EF4-FFF2-40B4-BE49-F238E27FC236}">
-                <a16:creationId xmlns="" xmlns:a16="http://schemas.microsoft.com/office/drawing/2014/main" id="{6333FE63-DD7C-4D06-9A4F-B8486D65266A}"/>
-              </a:ext>
-            </a:extLst>
-          </p:cNvPr>
-          <p:cNvGraphicFramePr/>
-          <p:nvPr>
-            <p:extLst>
-              <p:ext uri="{D42A27DB-BD31-4B8C-83A1-F6EECF244321}">
-                <p14:modId xmlns:p14="http://schemas.microsoft.com/office/powerpoint/2010/main" val="2969351478"/>
-              </p:ext>
-            </p:extLst>
-          </p:nvPr>
-        </p:nvGraphicFramePr>
-        <p:xfrm>
-          <a:off x="539552" y="1988840"/>
-          <a:ext cx="7992888" cy="4176464"/>
-        </p:xfrm>
-        <a:graphic>
-          <a:graphicData uri="http://schemas.openxmlformats.org/drawingml/2006/diagram">
-            <dgm:relIds xmlns:dgm="http://schemas.openxmlformats.org/drawingml/2006/diagram" xmlns:r="http://schemas.openxmlformats.org/officeDocument/2006/relationships" r:dm="rId2" r:lo="rId3" r:qs="rId4" r:cs="rId5"/>
-          </a:graphicData>
-        </a:graphic>
-      </p:graphicFrame>
+            <a:r>
+              <a:rPr lang="ru-RU" sz="2800" dirty="0" smtClean="0"/>
+              <a:t>Схема основных классов и вспомогательных им функций</a:t>
+            </a:r>
+            <a:endParaRPr lang="ru-RU" sz="2800" dirty="0"/>
+          </a:p>
+        </p:txBody>
+      </p:sp>
     </p:spTree>
     <p:extLst>
       <p:ext uri="{BB962C8B-B14F-4D97-AF65-F5344CB8AC3E}">
-        <p14:creationId xmlns:p14="http://schemas.microsoft.com/office/powerpoint/2010/main" val="1488949067"/>
+        <p14:creationId xmlns:p14="http://schemas.microsoft.com/office/powerpoint/2010/main" val="914738033"/>
       </p:ext>
     </p:extLst>
   </p:cSld>

--- a/data/Презентация.pptx
+++ b/data/Презентация.pptx
@@ -5,7 +5,7 @@
     <p:sldMasterId id="2147483648" r:id="rId1"/>
   </p:sldMasterIdLst>
   <p:notesMasterIdLst>
-    <p:notesMasterId r:id="rId17"/>
+    <p:notesMasterId r:id="rId18"/>
   </p:notesMasterIdLst>
   <p:sldIdLst>
     <p:sldId id="256" r:id="rId2"/>
@@ -19,10 +19,11 @@
     <p:sldId id="293" r:id="rId10"/>
     <p:sldId id="289" r:id="rId11"/>
     <p:sldId id="290" r:id="rId12"/>
-    <p:sldId id="291" r:id="rId13"/>
+    <p:sldId id="295" r:id="rId13"/>
     <p:sldId id="292" r:id="rId14"/>
     <p:sldId id="294" r:id="rId15"/>
-    <p:sldId id="283" r:id="rId16"/>
+    <p:sldId id="296" r:id="rId16"/>
+    <p:sldId id="283" r:id="rId17"/>
   </p:sldIdLst>
   <p:sldSz cx="9144000" cy="6858000" type="screen4x3"/>
   <p:notesSz cx="6858000" cy="9144000"/>
@@ -943,7 +944,7 @@
         <a:p>
           <a:r>
             <a:rPr lang="ru-RU" sz="2000" dirty="0" smtClean="0"/>
-            <a:t>Игра заканчивается только при определенных условиях – закончилось время или вирус упал на землю</a:t>
+            <a:t>Самодельный анимированный спрайт</a:t>
           </a:r>
           <a:endParaRPr lang="ru-RU" sz="2000" dirty="0">
             <a:latin typeface="Arial" pitchFamily="34" charset="0"/>
@@ -1046,11 +1047,7 @@
           </a:r>
           <a:r>
             <a:rPr lang="ru-RU" sz="2000" dirty="0" smtClean="0"/>
-            <a:t> и запись его результатов в </a:t>
-          </a:r>
-          <a:r>
-            <a:rPr lang="ru-RU" sz="2000" dirty="0" smtClean="0"/>
-            <a:t>БД выбранного режима</a:t>
+            <a:t> и запись его результатов в БД выбранного режима</a:t>
           </a:r>
           <a:endParaRPr lang="ru-RU" sz="2000" dirty="0">
             <a:latin typeface="Arial" pitchFamily="34" charset="0"/>
@@ -1314,19 +1311,19 @@
     </dgm:pt>
   </dgm:ptLst>
   <dgm:cxnLst>
-    <dgm:cxn modelId="{1B50F683-0DEE-431E-95AD-7DEF7DF4A5E8}" srcId="{40BF7536-18E1-43EA-BA93-A4F6666277A3}" destId="{C1311809-AAD1-4EE8-A0DB-C4B086552A57}" srcOrd="1" destOrd="0" parTransId="{3AC75079-46FB-4391-934E-349C73B7A000}" sibTransId="{EF029F1A-0CF6-4B0F-BF71-E4742C8EF6AC}"/>
-    <dgm:cxn modelId="{7ED0453B-EEAC-4BBC-B08A-635D5F948978}" srcId="{C1311809-AAD1-4EE8-A0DB-C4B086552A57}" destId="{53C73B09-BB33-43E4-9AF9-3A4B7E4AC055}" srcOrd="0" destOrd="0" parTransId="{9482905D-3651-4984-BB9F-3D92AB64B6AE}" sibTransId="{C37A8D3E-D9CB-4232-BC5E-6D960E867583}"/>
-    <dgm:cxn modelId="{510CDB5F-0580-4DA6-B988-102F98717677}" srcId="{9B2B15E0-1247-4A61-A5ED-548FFE58E613}" destId="{95F06A5B-F24B-4DB8-A22D-F5B1BAE958DC}" srcOrd="0" destOrd="0" parTransId="{FF389BB7-ECDD-4B4E-B3AF-350477540210}" sibTransId="{679A91E2-18A9-49FC-99E5-B2C6E17F0B6B}"/>
-    <dgm:cxn modelId="{2226E296-37AA-467D-9037-42E93DD91921}" type="presOf" srcId="{9FE2A101-4DB2-4AF2-922F-CF4F06F11E61}" destId="{5FCC1714-FCA6-44E1-82AE-090051349B0C}" srcOrd="0" destOrd="0" presId="urn:microsoft.com/office/officeart/2005/8/layout/chevron2"/>
-    <dgm:cxn modelId="{D7E8230C-DD56-4BB1-AA87-BA17A80B778E}" type="presOf" srcId="{53C73B09-BB33-43E4-9AF9-3A4B7E4AC055}" destId="{0A078352-D930-407C-96B1-AFA896F765BE}" srcOrd="0" destOrd="0" presId="urn:microsoft.com/office/officeart/2005/8/layout/chevron2"/>
-    <dgm:cxn modelId="{0F609786-722E-4D1D-A4CC-5DE6A5CD8489}" srcId="{40BF7536-18E1-43EA-BA93-A4F6666277A3}" destId="{333F831F-2FF9-403B-BB3A-2CB627901A13}" srcOrd="0" destOrd="0" parTransId="{B0D869A4-3D63-4B1B-9C5A-71862D291EC0}" sibTransId="{2D1D71EB-021D-4B78-BE7A-7A44E7FB5F19}"/>
-    <dgm:cxn modelId="{D13B80F1-60D5-4E5C-992F-0E2E16F512E3}" type="presOf" srcId="{333F831F-2FF9-403B-BB3A-2CB627901A13}" destId="{108CEE4B-E3B7-41A7-9670-F920551C1F6A}" srcOrd="0" destOrd="0" presId="urn:microsoft.com/office/officeart/2005/8/layout/chevron2"/>
-    <dgm:cxn modelId="{A307606C-D3E0-4E31-A4D1-109DBFE1021E}" type="presOf" srcId="{95F06A5B-F24B-4DB8-A22D-F5B1BAE958DC}" destId="{02001599-A430-4E33-ACA2-D23422968A5A}" srcOrd="0" destOrd="0" presId="urn:microsoft.com/office/officeart/2005/8/layout/chevron2"/>
-    <dgm:cxn modelId="{B3560656-DEAF-4824-B666-A02A39B786DA}" type="presOf" srcId="{9B2B15E0-1247-4A61-A5ED-548FFE58E613}" destId="{F93F0672-920D-4C30-942C-C0E0A8EA49B6}" srcOrd="0" destOrd="0" presId="urn:microsoft.com/office/officeart/2005/8/layout/chevron2"/>
     <dgm:cxn modelId="{456454FF-E645-455C-A74B-797075937DB5}" type="presOf" srcId="{40BF7536-18E1-43EA-BA93-A4F6666277A3}" destId="{2CDAE567-BFE2-4AA8-B7D2-2A019BED574F}" srcOrd="0" destOrd="0" presId="urn:microsoft.com/office/officeart/2005/8/layout/chevron2"/>
     <dgm:cxn modelId="{56637A2E-B4C6-4AB0-BA8F-713011DA0499}" srcId="{40BF7536-18E1-43EA-BA93-A4F6666277A3}" destId="{9B2B15E0-1247-4A61-A5ED-548FFE58E613}" srcOrd="2" destOrd="0" parTransId="{128156FC-671C-4D20-BB83-9631013E4439}" sibTransId="{FB24AA32-4891-4E1F-8CF8-70231658B195}"/>
     <dgm:cxn modelId="{AD7F40D8-CF31-41CD-BD29-04050F466917}" type="presOf" srcId="{C1311809-AAD1-4EE8-A0DB-C4B086552A57}" destId="{EC4ABE22-C354-4B46-9C52-51889676F909}" srcOrd="0" destOrd="0" presId="urn:microsoft.com/office/officeart/2005/8/layout/chevron2"/>
+    <dgm:cxn modelId="{D13B80F1-60D5-4E5C-992F-0E2E16F512E3}" type="presOf" srcId="{333F831F-2FF9-403B-BB3A-2CB627901A13}" destId="{108CEE4B-E3B7-41A7-9670-F920551C1F6A}" srcOrd="0" destOrd="0" presId="urn:microsoft.com/office/officeart/2005/8/layout/chevron2"/>
+    <dgm:cxn modelId="{7ED0453B-EEAC-4BBC-B08A-635D5F948978}" srcId="{C1311809-AAD1-4EE8-A0DB-C4B086552A57}" destId="{53C73B09-BB33-43E4-9AF9-3A4B7E4AC055}" srcOrd="0" destOrd="0" parTransId="{9482905D-3651-4984-BB9F-3D92AB64B6AE}" sibTransId="{C37A8D3E-D9CB-4232-BC5E-6D960E867583}"/>
+    <dgm:cxn modelId="{2226E296-37AA-467D-9037-42E93DD91921}" type="presOf" srcId="{9FE2A101-4DB2-4AF2-922F-CF4F06F11E61}" destId="{5FCC1714-FCA6-44E1-82AE-090051349B0C}" srcOrd="0" destOrd="0" presId="urn:microsoft.com/office/officeart/2005/8/layout/chevron2"/>
     <dgm:cxn modelId="{173DEF41-1C96-42E2-B8BE-BAD7EC93B256}" srcId="{333F831F-2FF9-403B-BB3A-2CB627901A13}" destId="{9FE2A101-4DB2-4AF2-922F-CF4F06F11E61}" srcOrd="0" destOrd="0" parTransId="{75BBC93B-B64C-45DE-9740-E76ADE9A0341}" sibTransId="{BE27F2BF-57BD-4ED9-834D-DAFEBBDA3EBB}"/>
+    <dgm:cxn modelId="{B3560656-DEAF-4824-B666-A02A39B786DA}" type="presOf" srcId="{9B2B15E0-1247-4A61-A5ED-548FFE58E613}" destId="{F93F0672-920D-4C30-942C-C0E0A8EA49B6}" srcOrd="0" destOrd="0" presId="urn:microsoft.com/office/officeart/2005/8/layout/chevron2"/>
+    <dgm:cxn modelId="{A307606C-D3E0-4E31-A4D1-109DBFE1021E}" type="presOf" srcId="{95F06A5B-F24B-4DB8-A22D-F5B1BAE958DC}" destId="{02001599-A430-4E33-ACA2-D23422968A5A}" srcOrd="0" destOrd="0" presId="urn:microsoft.com/office/officeart/2005/8/layout/chevron2"/>
+    <dgm:cxn modelId="{D7E8230C-DD56-4BB1-AA87-BA17A80B778E}" type="presOf" srcId="{53C73B09-BB33-43E4-9AF9-3A4B7E4AC055}" destId="{0A078352-D930-407C-96B1-AFA896F765BE}" srcOrd="0" destOrd="0" presId="urn:microsoft.com/office/officeart/2005/8/layout/chevron2"/>
+    <dgm:cxn modelId="{1B50F683-0DEE-431E-95AD-7DEF7DF4A5E8}" srcId="{40BF7536-18E1-43EA-BA93-A4F6666277A3}" destId="{C1311809-AAD1-4EE8-A0DB-C4B086552A57}" srcOrd="1" destOrd="0" parTransId="{3AC75079-46FB-4391-934E-349C73B7A000}" sibTransId="{EF029F1A-0CF6-4B0F-BF71-E4742C8EF6AC}"/>
+    <dgm:cxn modelId="{0F609786-722E-4D1D-A4CC-5DE6A5CD8489}" srcId="{40BF7536-18E1-43EA-BA93-A4F6666277A3}" destId="{333F831F-2FF9-403B-BB3A-2CB627901A13}" srcOrd="0" destOrd="0" parTransId="{B0D869A4-3D63-4B1B-9C5A-71862D291EC0}" sibTransId="{2D1D71EB-021D-4B78-BE7A-7A44E7FB5F19}"/>
+    <dgm:cxn modelId="{510CDB5F-0580-4DA6-B988-102F98717677}" srcId="{9B2B15E0-1247-4A61-A5ED-548FFE58E613}" destId="{95F06A5B-F24B-4DB8-A22D-F5B1BAE958DC}" srcOrd="0" destOrd="0" parTransId="{FF389BB7-ECDD-4B4E-B3AF-350477540210}" sibTransId="{679A91E2-18A9-49FC-99E5-B2C6E17F0B6B}"/>
     <dgm:cxn modelId="{D6BBD003-AF40-4422-BF6E-B40B2005D14C}" type="presParOf" srcId="{2CDAE567-BFE2-4AA8-B7D2-2A019BED574F}" destId="{C3A69624-B3FD-46BB-9AE6-EF3BA8C45062}" srcOrd="0" destOrd="0" presId="urn:microsoft.com/office/officeart/2005/8/layout/chevron2"/>
     <dgm:cxn modelId="{B58D9027-1849-4FFE-9EE9-096AD399B860}" type="presParOf" srcId="{C3A69624-B3FD-46BB-9AE6-EF3BA8C45062}" destId="{108CEE4B-E3B7-41A7-9670-F920551C1F6A}" srcOrd="0" destOrd="0" presId="urn:microsoft.com/office/officeart/2005/8/layout/chevron2"/>
     <dgm:cxn modelId="{DA609C09-73DA-44E9-8611-D9940C1B5FDF}" type="presParOf" srcId="{C3A69624-B3FD-46BB-9AE6-EF3BA8C45062}" destId="{5FCC1714-FCA6-44E1-82AE-090051349B0C}" srcOrd="1" destOrd="0" presId="urn:microsoft.com/office/officeart/2005/8/layout/chevron2"/>
@@ -1507,7 +1504,7 @@
           </a:pPr>
           <a:r>
             <a:rPr lang="ru-RU" sz="2000" kern="1200" dirty="0" smtClean="0"/>
-            <a:t>Игра заканчивается только при определенных условиях – закончилось время или вирус упал на землю</a:t>
+            <a:t>Самодельный анимированный спрайт</a:t>
           </a:r>
           <a:endParaRPr lang="ru-RU" sz="2000" kern="1200" dirty="0">
             <a:latin typeface="Arial" pitchFamily="34" charset="0"/>
@@ -1678,11 +1675,7 @@
           </a:r>
           <a:r>
             <a:rPr lang="ru-RU" sz="2000" kern="1200" dirty="0" smtClean="0"/>
-            <a:t> и запись его результатов в </a:t>
-          </a:r>
-          <a:r>
-            <a:rPr lang="ru-RU" sz="2000" kern="1200" dirty="0" smtClean="0"/>
-            <a:t>БД выбранного режима</a:t>
+            <a:t> и запись его результатов в БД выбранного режима</a:t>
           </a:r>
           <a:endParaRPr lang="ru-RU" sz="2000" kern="1200" dirty="0">
             <a:latin typeface="Arial" pitchFamily="34" charset="0"/>
@@ -4103,7 +4096,7 @@
           <p:cNvPr id="3" name="Заголовок 2">
             <a:extLst>
               <a:ext uri="{FF2B5EF4-FFF2-40B4-BE49-F238E27FC236}">
-                <a16:creationId xmlns="" xmlns:a16="http://schemas.microsoft.com/office/drawing/2014/main" id="{22613E47-EE21-490C-A99B-8BFD09B77358}"/>
+                <a16:creationId xmlns:a16="http://schemas.microsoft.com/office/drawing/2014/main" xmlns="" id="{22613E47-EE21-490C-A99B-8BFD09B77358}"/>
               </a:ext>
             </a:extLst>
           </p:cNvPr>
@@ -4164,7 +4157,7 @@
   </mc:AlternateContent>
   <p:extLst mod="1">
     <p:ext uri="{DCECCB84-F9BA-43D5-87BE-67443E8EF086}">
-      <p15:sldGuideLst xmlns="" xmlns:p15="http://schemas.microsoft.com/office/powerpoint/2012/main">
+      <p15:sldGuideLst xmlns:p15="http://schemas.microsoft.com/office/powerpoint/2012/main" xmlns="">
         <p15:guide id="1" orient="horz" pos="2160" userDrawn="1">
           <p15:clr>
             <a:srgbClr val="FBAE40"/>
@@ -4203,7 +4196,7 @@
           <p:cNvPr id="7" name="Freeform: Shape 32">
             <a:extLst>
               <a:ext uri="{FF2B5EF4-FFF2-40B4-BE49-F238E27FC236}">
-                <a16:creationId xmlns="" xmlns:a16="http://schemas.microsoft.com/office/drawing/2014/main" id="{FF49F5A1-2D54-4311-9E9E-CCB655F2B9FA}"/>
+                <a16:creationId xmlns:a16="http://schemas.microsoft.com/office/drawing/2014/main" xmlns="" id="{FF49F5A1-2D54-4311-9E9E-CCB655F2B9FA}"/>
               </a:ext>
             </a:extLst>
           </p:cNvPr>
@@ -4326,7 +4319,7 @@
           <p:cNvPr id="5" name="Picture Placeholder 4">
             <a:extLst>
               <a:ext uri="{FF2B5EF4-FFF2-40B4-BE49-F238E27FC236}">
-                <a16:creationId xmlns="" xmlns:a16="http://schemas.microsoft.com/office/drawing/2014/main" id="{C9D9E9E9-735E-4B37-BE36-F5FC8792E6CF}"/>
+                <a16:creationId xmlns:a16="http://schemas.microsoft.com/office/drawing/2014/main" xmlns="" id="{C9D9E9E9-735E-4B37-BE36-F5FC8792E6CF}"/>
               </a:ext>
             </a:extLst>
           </p:cNvPr>
@@ -7329,7 +7322,7 @@
           <p:cNvPr id="4" name="Схема 3">
             <a:extLst>
               <a:ext uri="{FF2B5EF4-FFF2-40B4-BE49-F238E27FC236}">
-                <a16:creationId xmlns="" xmlns:a16="http://schemas.microsoft.com/office/drawing/2014/main" id="{6333FE63-DD7C-4D06-9A4F-B8486D65266A}"/>
+                <a16:creationId xmlns:a16="http://schemas.microsoft.com/office/drawing/2014/main" xmlns="" id="{6333FE63-DD7C-4D06-9A4F-B8486D65266A}"/>
               </a:ext>
             </a:extLst>
           </p:cNvPr>
@@ -7337,7 +7330,7 @@
           <p:nvPr>
             <p:extLst>
               <p:ext uri="{D42A27DB-BD31-4B8C-83A1-F6EECF244321}">
-                <p14:modId xmlns:p14="http://schemas.microsoft.com/office/powerpoint/2010/main" val="3550013384"/>
+                <p14:modId xmlns:p14="http://schemas.microsoft.com/office/powerpoint/2010/main" val="3642663895"/>
               </p:ext>
             </p:extLst>
           </p:nvPr>
@@ -7598,67 +7591,35 @@
         </p:nvSpPr>
         <p:spPr>
           <a:xfrm>
-            <a:off x="1331640" y="44624"/>
-            <a:ext cx="5688632" cy="576064"/>
+            <a:off x="457200" y="274638"/>
+            <a:ext cx="8229600" cy="418058"/>
           </a:xfrm>
         </p:spPr>
         <p:txBody>
           <a:bodyPr>
-            <a:noAutofit/>
+            <a:normAutofit fontScale="90000"/>
           </a:bodyPr>
           <a:lstStyle/>
           <a:p>
             <a:r>
-              <a:rPr lang="ru-RU" sz="2800" b="1" dirty="0" smtClean="0">
-                <a:effectLst>
-                  <a:outerShdw blurRad="38100" dist="38100" dir="2700000" algn="tl">
-                    <a:srgbClr val="000000">
-                      <a:alpha val="43137"/>
-                    </a:srgbClr>
-                  </a:outerShdw>
-                </a:effectLst>
-              </a:rPr>
-              <a:t>Стартовое окно с полем ввода </a:t>
-            </a:r>
-            <a:r>
-              <a:rPr lang="ru-RU" sz="2800" b="1" dirty="0" err="1" smtClean="0">
-                <a:effectLst>
-                  <a:outerShdw blurRad="38100" dist="38100" dir="2700000" algn="tl">
-                    <a:srgbClr val="000000">
-                      <a:alpha val="43137"/>
-                    </a:srgbClr>
-                  </a:outerShdw>
-                </a:effectLst>
-              </a:rPr>
+              <a:rPr lang="ru-RU" dirty="0" smtClean="0"/>
+              <a:t>Стартовое окно с вводом </a:t>
+            </a:r>
+            <a:r>
+              <a:rPr lang="ru-RU" dirty="0" err="1" smtClean="0"/>
               <a:t>никнейма</a:t>
             </a:r>
             <a:r>
-              <a:rPr lang="ru-RU" sz="2800" b="1" dirty="0" smtClean="0">
-                <a:effectLst>
-                  <a:outerShdw blurRad="38100" dist="38100" dir="2700000" algn="tl">
-                    <a:srgbClr val="000000">
-                      <a:alpha val="43137"/>
-                    </a:srgbClr>
-                  </a:outerShdw>
-                </a:effectLst>
-              </a:rPr>
-              <a:t> и выбором сложности</a:t>
-            </a:r>
-            <a:endParaRPr lang="ru-RU" sz="2800" b="1" dirty="0">
-              <a:effectLst>
-                <a:outerShdw blurRad="38100" dist="38100" dir="2700000" algn="tl">
-                  <a:srgbClr val="000000">
-                    <a:alpha val="43137"/>
-                  </a:srgbClr>
-                </a:outerShdw>
-              </a:effectLst>
-            </a:endParaRPr>
+              <a:rPr lang="ru-RU" dirty="0" smtClean="0"/>
+              <a:t> и выбором режима</a:t>
+            </a:r>
+            <a:endParaRPr lang="ru-RU" dirty="0"/>
           </a:p>
         </p:txBody>
       </p:sp>
       <p:pic>
         <p:nvPicPr>
-          <p:cNvPr id="3074" name="Picture 2"/>
+          <p:cNvPr id="1026" name="Picture 2"/>
           <p:cNvPicPr>
             <a:picLocks noChangeAspect="1" noChangeArrowheads="1"/>
           </p:cNvPicPr>
@@ -7679,8 +7640,8 @@
         </p:blipFill>
         <p:spPr bwMode="auto">
           <a:xfrm>
-            <a:off x="692282" y="764704"/>
-            <a:ext cx="7620000" cy="5838955"/>
+            <a:off x="827584" y="1124744"/>
+            <a:ext cx="7153143" cy="5733256"/>
           </a:xfrm>
           <a:prstGeom prst="rect">
             <a:avLst/>
@@ -7723,7 +7684,7 @@
     </p:spTree>
     <p:extLst>
       <p:ext uri="{BB962C8B-B14F-4D97-AF65-F5344CB8AC3E}">
-        <p14:creationId xmlns:p14="http://schemas.microsoft.com/office/powerpoint/2010/main" val="764313733"/>
+        <p14:creationId xmlns:p14="http://schemas.microsoft.com/office/powerpoint/2010/main" val="4173583561"/>
       </p:ext>
     </p:extLst>
   </p:cSld>
@@ -7882,12 +7843,21 @@
             <p:ph type="title"/>
           </p:nvPr>
         </p:nvSpPr>
-        <p:spPr/>
+        <p:spPr>
+          <a:xfrm>
+            <a:off x="457200" y="188640"/>
+            <a:ext cx="8229600" cy="1143000"/>
+          </a:xfrm>
+        </p:spPr>
         <p:txBody>
           <a:bodyPr/>
           <a:lstStyle/>
           <a:p>
-            <a:endParaRPr lang="ru-RU"/>
+            <a:r>
+              <a:rPr lang="ru-RU" dirty="0" smtClean="0"/>
+              <a:t>Финальное окно</a:t>
+            </a:r>
+            <a:endParaRPr lang="ru-RU" dirty="0"/>
           </a:p>
         </p:txBody>
       </p:sp>
@@ -7906,10 +7876,74 @@
           <a:bodyPr/>
           <a:lstStyle/>
           <a:p>
-            <a:endParaRPr lang="ru-RU"/>
-          </a:p>
-        </p:txBody>
-      </p:sp>
+            <a:endParaRPr lang="ru-RU" dirty="0"/>
+          </a:p>
+        </p:txBody>
+      </p:sp>
+      <p:pic>
+        <p:nvPicPr>
+          <p:cNvPr id="2050" name="Picture 2"/>
+          <p:cNvPicPr>
+            <a:picLocks noChangeAspect="1" noChangeArrowheads="1"/>
+          </p:cNvPicPr>
+          <p:nvPr/>
+        </p:nvPicPr>
+        <p:blipFill>
+          <a:blip r:embed="rId2">
+            <a:extLst>
+              <a:ext uri="{28A0092B-C50C-407E-A947-70E740481C1C}">
+                <a14:useLocalDpi xmlns:a14="http://schemas.microsoft.com/office/drawing/2010/main" val="0"/>
+              </a:ext>
+            </a:extLst>
+          </a:blip>
+          <a:srcRect/>
+          <a:stretch>
+            <a:fillRect/>
+          </a:stretch>
+        </p:blipFill>
+        <p:spPr bwMode="auto">
+          <a:xfrm>
+            <a:off x="795338" y="1124744"/>
+            <a:ext cx="7553325" cy="5460653"/>
+          </a:xfrm>
+          <a:prstGeom prst="rect">
+            <a:avLst/>
+          </a:prstGeom>
+          <a:noFill/>
+          <a:ln>
+            <a:noFill/>
+          </a:ln>
+          <a:effectLst/>
+          <a:extLst>
+            <a:ext uri="{909E8E84-426E-40DD-AFC4-6F175D3DCCD1}">
+              <a14:hiddenFill xmlns:a14="http://schemas.microsoft.com/office/drawing/2010/main">
+                <a:solidFill>
+                  <a:schemeClr val="accent1"/>
+                </a:solidFill>
+              </a14:hiddenFill>
+            </a:ext>
+            <a:ext uri="{91240B29-F687-4F45-9708-019B960494DF}">
+              <a14:hiddenLine xmlns:a14="http://schemas.microsoft.com/office/drawing/2010/main" w="9525">
+                <a:solidFill>
+                  <a:schemeClr val="tx1"/>
+                </a:solidFill>
+                <a:miter lim="800000"/>
+                <a:headEnd/>
+                <a:tailEnd/>
+              </a14:hiddenLine>
+            </a:ext>
+            <a:ext uri="{AF507438-7753-43E0-B8FC-AC1667EBCBE1}">
+              <a14:hiddenEffects xmlns:a14="http://schemas.microsoft.com/office/drawing/2010/main">
+                <a:effectLst>
+                  <a:outerShdw dist="35921" dir="2700000" algn="ctr" rotWithShape="0">
+                    <a:schemeClr val="bg2"/>
+                  </a:outerShdw>
+                </a:effectLst>
+              </a14:hiddenEffects>
+            </a:ext>
+          </a:extLst>
+        </p:spPr>
+      </p:pic>
     </p:spTree>
     <p:extLst>
       <p:ext uri="{BB962C8B-B14F-4D97-AF65-F5344CB8AC3E}">
@@ -7940,12 +7974,148 @@
           <a:chExt cx="0" cy="0"/>
         </a:xfrm>
       </p:grpSpPr>
+      <p:sp>
+        <p:nvSpPr>
+          <p:cNvPr id="2" name="Заголовок 1"/>
+          <p:cNvSpPr>
+            <a:spLocks noGrp="1"/>
+          </p:cNvSpPr>
+          <p:nvPr>
+            <p:ph type="title"/>
+          </p:nvPr>
+        </p:nvSpPr>
+        <p:spPr/>
+        <p:txBody>
+          <a:bodyPr/>
+          <a:lstStyle/>
+          <a:p>
+            <a:r>
+              <a:rPr lang="ru-RU" dirty="0" smtClean="0"/>
+              <a:t>Победное окно</a:t>
+            </a:r>
+            <a:endParaRPr lang="ru-RU" dirty="0"/>
+          </a:p>
+        </p:txBody>
+      </p:sp>
+      <p:sp>
+        <p:nvSpPr>
+          <p:cNvPr id="3" name="Объект 2"/>
+          <p:cNvSpPr>
+            <a:spLocks noGrp="1"/>
+          </p:cNvSpPr>
+          <p:nvPr>
+            <p:ph idx="1"/>
+          </p:nvPr>
+        </p:nvSpPr>
+        <p:spPr/>
+        <p:txBody>
+          <a:bodyPr/>
+          <a:lstStyle/>
+          <a:p>
+            <a:endParaRPr lang="ru-RU" dirty="0"/>
+          </a:p>
+        </p:txBody>
+      </p:sp>
+      <p:pic>
+        <p:nvPicPr>
+          <p:cNvPr id="3074" name="Picture 2"/>
+          <p:cNvPicPr>
+            <a:picLocks noChangeAspect="1" noChangeArrowheads="1"/>
+          </p:cNvPicPr>
+          <p:nvPr/>
+        </p:nvPicPr>
+        <p:blipFill>
+          <a:blip r:embed="rId2">
+            <a:extLst>
+              <a:ext uri="{28A0092B-C50C-407E-A947-70E740481C1C}">
+                <a14:useLocalDpi xmlns:a14="http://schemas.microsoft.com/office/drawing/2010/main" val="0"/>
+              </a:ext>
+            </a:extLst>
+          </a:blip>
+          <a:srcRect/>
+          <a:stretch>
+            <a:fillRect/>
+          </a:stretch>
+        </p:blipFill>
+        <p:spPr bwMode="auto">
+          <a:xfrm>
+            <a:off x="795338" y="1268760"/>
+            <a:ext cx="7553325" cy="5340449"/>
+          </a:xfrm>
+          <a:prstGeom prst="rect">
+            <a:avLst/>
+          </a:prstGeom>
+          <a:noFill/>
+          <a:ln>
+            <a:noFill/>
+          </a:ln>
+          <a:effectLst/>
+          <a:extLst>
+            <a:ext uri="{909E8E84-426E-40DD-AFC4-6F175D3DCCD1}">
+              <a14:hiddenFill xmlns:a14="http://schemas.microsoft.com/office/drawing/2010/main">
+                <a:solidFill>
+                  <a:schemeClr val="accent1"/>
+                </a:solidFill>
+              </a14:hiddenFill>
+            </a:ext>
+            <a:ext uri="{91240B29-F687-4F45-9708-019B960494DF}">
+              <a14:hiddenLine xmlns:a14="http://schemas.microsoft.com/office/drawing/2010/main" w="9525">
+                <a:solidFill>
+                  <a:schemeClr val="tx1"/>
+                </a:solidFill>
+                <a:miter lim="800000"/>
+                <a:headEnd/>
+                <a:tailEnd/>
+              </a14:hiddenLine>
+            </a:ext>
+            <a:ext uri="{AF507438-7753-43E0-B8FC-AC1667EBCBE1}">
+              <a14:hiddenEffects xmlns:a14="http://schemas.microsoft.com/office/drawing/2010/main">
+                <a:effectLst>
+                  <a:outerShdw dist="35921" dir="2700000" algn="ctr" rotWithShape="0">
+                    <a:schemeClr val="bg2"/>
+                  </a:outerShdw>
+                </a:effectLst>
+              </a14:hiddenEffects>
+            </a:ext>
+          </a:extLst>
+        </p:spPr>
+      </p:pic>
+    </p:spTree>
+    <p:extLst>
+      <p:ext uri="{BB962C8B-B14F-4D97-AF65-F5344CB8AC3E}">
+        <p14:creationId xmlns:p14="http://schemas.microsoft.com/office/powerpoint/2010/main" val="12518989"/>
+      </p:ext>
+    </p:extLst>
+  </p:cSld>
+  <p:clrMapOvr>
+    <a:masterClrMapping/>
+  </p:clrMapOvr>
+</p:sld>
+</file>
+
+<file path=ppt/slides/slide16.xml><?xml version="1.0" encoding="utf-8"?>
+<p:sld xmlns:a="http://schemas.openxmlformats.org/drawingml/2006/main" xmlns:r="http://schemas.openxmlformats.org/officeDocument/2006/relationships" xmlns:p="http://schemas.openxmlformats.org/presentationml/2006/main">
+  <p:cSld>
+    <p:spTree>
+      <p:nvGrpSpPr>
+        <p:cNvPr id="1" name=""/>
+        <p:cNvGrpSpPr/>
+        <p:nvPr/>
+      </p:nvGrpSpPr>
+      <p:grpSpPr>
+        <a:xfrm>
+          <a:off x="0" y="0"/>
+          <a:ext cx="0" cy="0"/>
+          <a:chOff x="0" y="0"/>
+          <a:chExt cx="0" cy="0"/>
+        </a:xfrm>
+      </p:grpSpPr>
       <p:pic>
         <p:nvPicPr>
           <p:cNvPr id="18" name="Рисунок 17">
             <a:extLst>
               <a:ext uri="{FF2B5EF4-FFF2-40B4-BE49-F238E27FC236}">
-                <a16:creationId xmlns="" xmlns:a16="http://schemas.microsoft.com/office/drawing/2014/main" id="{BC1F52DE-5FAB-4ABD-9FE3-81F2C02E743C}"/>
+                <a16:creationId xmlns:a16="http://schemas.microsoft.com/office/drawing/2014/main" xmlns="" id="{BC1F52DE-5FAB-4ABD-9FE3-81F2C02E743C}"/>
               </a:ext>
             </a:extLst>
           </p:cNvPr>
@@ -8001,7 +8171,7 @@
           <p:cNvPr id="13" name="Прямоугольник 12">
             <a:extLst>
               <a:ext uri="{FF2B5EF4-FFF2-40B4-BE49-F238E27FC236}">
-                <a16:creationId xmlns="" xmlns:a16="http://schemas.microsoft.com/office/drawing/2014/main" id="{1112FCAF-875D-4788-9F4B-C1518A52DBC3}"/>
+                <a16:creationId xmlns:a16="http://schemas.microsoft.com/office/drawing/2014/main" xmlns="" id="{1112FCAF-875D-4788-9F4B-C1518A52DBC3}"/>
               </a:ext>
             </a:extLst>
           </p:cNvPr>
@@ -8119,7 +8289,7 @@
           <p:cNvPr id="33" name="Freeform: Shape 32">
             <a:extLst>
               <a:ext uri="{FF2B5EF4-FFF2-40B4-BE49-F238E27FC236}">
-                <a16:creationId xmlns="" xmlns:a16="http://schemas.microsoft.com/office/drawing/2014/main" id="{41414636-CE8E-465F-BFEE-0671819A6847}"/>
+                <a16:creationId xmlns:a16="http://schemas.microsoft.com/office/drawing/2014/main" xmlns="" id="{41414636-CE8E-465F-BFEE-0671819A6847}"/>
               </a:ext>
             </a:extLst>
           </p:cNvPr>
@@ -8244,7 +8414,7 @@
           <p:cNvPr id="27" name="Freeform: Shape 26">
             <a:extLst>
               <a:ext uri="{FF2B5EF4-FFF2-40B4-BE49-F238E27FC236}">
-                <a16:creationId xmlns="" xmlns:a16="http://schemas.microsoft.com/office/drawing/2014/main" id="{D25C89B9-7A78-479F-9318-CA2484706F89}"/>
+                <a16:creationId xmlns:a16="http://schemas.microsoft.com/office/drawing/2014/main" xmlns="" id="{D25C89B9-7A78-479F-9318-CA2484706F89}"/>
               </a:ext>
             </a:extLst>
           </p:cNvPr>
@@ -8347,7 +8517,7 @@
           <p:cNvPr id="78" name="Прямоугольник 77">
             <a:extLst>
               <a:ext uri="{FF2B5EF4-FFF2-40B4-BE49-F238E27FC236}">
-                <a16:creationId xmlns="" xmlns:a16="http://schemas.microsoft.com/office/drawing/2014/main" id="{7BA77E3E-F038-4820-B2B7-A1DE2AC78C44}"/>
+                <a16:creationId xmlns:a16="http://schemas.microsoft.com/office/drawing/2014/main" xmlns="" id="{7BA77E3E-F038-4820-B2B7-A1DE2AC78C44}"/>
               </a:ext>
             </a:extLst>
           </p:cNvPr>
@@ -8640,7 +8810,7 @@
           <p:cNvPr id="12" name="Прямоугольник 11">
             <a:extLst>
               <a:ext uri="{FF2B5EF4-FFF2-40B4-BE49-F238E27FC236}">
-                <a16:creationId xmlns="" xmlns:a16="http://schemas.microsoft.com/office/drawing/2014/main" id="{ABCB68E3-4E63-4297-A336-9092EF25B0A2}"/>
+                <a16:creationId xmlns:a16="http://schemas.microsoft.com/office/drawing/2014/main" xmlns="" id="{ABCB68E3-4E63-4297-A336-9092EF25B0A2}"/>
               </a:ext>
             </a:extLst>
           </p:cNvPr>
@@ -8977,7 +9147,7 @@
           <p:cNvPr id="81" name="Rounded Rectangle 2">
             <a:extLst>
               <a:ext uri="{FF2B5EF4-FFF2-40B4-BE49-F238E27FC236}">
-                <a16:creationId xmlns="" xmlns:a16="http://schemas.microsoft.com/office/drawing/2014/main" id="{E6FAF292-9DC0-4002-845A-E9F7D91FB8D8}"/>
+                <a16:creationId xmlns:a16="http://schemas.microsoft.com/office/drawing/2014/main" xmlns="" id="{E6FAF292-9DC0-4002-845A-E9F7D91FB8D8}"/>
               </a:ext>
             </a:extLst>
           </p:cNvPr>
@@ -9036,7 +9206,7 @@
           <p:cNvPr id="82" name="Rounded Rectangle 8">
             <a:extLst>
               <a:ext uri="{FF2B5EF4-FFF2-40B4-BE49-F238E27FC236}">
-                <a16:creationId xmlns="" xmlns:a16="http://schemas.microsoft.com/office/drawing/2014/main" id="{16204CDE-2BEF-4E08-B1C2-06C2FCE1DCD6}"/>
+                <a16:creationId xmlns:a16="http://schemas.microsoft.com/office/drawing/2014/main" xmlns="" id="{16204CDE-2BEF-4E08-B1C2-06C2FCE1DCD6}"/>
               </a:ext>
             </a:extLst>
           </p:cNvPr>
@@ -9125,7 +9295,7 @@
           <p:cNvPr id="87" name="Rounded Rectangle 11">
             <a:extLst>
               <a:ext uri="{FF2B5EF4-FFF2-40B4-BE49-F238E27FC236}">
-                <a16:creationId xmlns="" xmlns:a16="http://schemas.microsoft.com/office/drawing/2014/main" id="{E83CCE19-AADE-47B8-B9FD-CF2EF55008CA}"/>
+                <a16:creationId xmlns:a16="http://schemas.microsoft.com/office/drawing/2014/main" xmlns="" id="{E83CCE19-AADE-47B8-B9FD-CF2EF55008CA}"/>
               </a:ext>
             </a:extLst>
           </p:cNvPr>
@@ -9184,7 +9354,7 @@
           <p:cNvPr id="88" name="Rounded Rectangle 8">
             <a:extLst>
               <a:ext uri="{FF2B5EF4-FFF2-40B4-BE49-F238E27FC236}">
-                <a16:creationId xmlns="" xmlns:a16="http://schemas.microsoft.com/office/drawing/2014/main" id="{24895EFE-423A-46AF-91EC-3C37432A313E}"/>
+                <a16:creationId xmlns:a16="http://schemas.microsoft.com/office/drawing/2014/main" xmlns="" id="{24895EFE-423A-46AF-91EC-3C37432A313E}"/>
               </a:ext>
             </a:extLst>
           </p:cNvPr>
@@ -9273,7 +9443,7 @@
           <p:cNvPr id="95" name="TextBox 94">
             <a:extLst>
               <a:ext uri="{FF2B5EF4-FFF2-40B4-BE49-F238E27FC236}">
-                <a16:creationId xmlns="" xmlns:a16="http://schemas.microsoft.com/office/drawing/2014/main" id="{44E8FE20-4936-4900-9215-A748374B466E}"/>
+                <a16:creationId xmlns:a16="http://schemas.microsoft.com/office/drawing/2014/main" xmlns="" id="{44E8FE20-4936-4900-9215-A748374B466E}"/>
               </a:ext>
             </a:extLst>
           </p:cNvPr>
@@ -9310,7 +9480,7 @@
           <p:cNvPr id="42" name="Text Placeholder 12">
             <a:extLst>
               <a:ext uri="{FF2B5EF4-FFF2-40B4-BE49-F238E27FC236}">
-                <a16:creationId xmlns="" xmlns:a16="http://schemas.microsoft.com/office/drawing/2014/main" id="{1ABAFA33-BC33-478E-9AA0-E61146837E77}"/>
+                <a16:creationId xmlns:a16="http://schemas.microsoft.com/office/drawing/2014/main" xmlns="" id="{1ABAFA33-BC33-478E-9AA0-E61146837E77}"/>
               </a:ext>
             </a:extLst>
           </p:cNvPr>
@@ -9490,7 +9660,7 @@
           <p:cNvPr id="45" name="Text Placeholder 12">
             <a:extLst>
               <a:ext uri="{FF2B5EF4-FFF2-40B4-BE49-F238E27FC236}">
-                <a16:creationId xmlns="" xmlns:a16="http://schemas.microsoft.com/office/drawing/2014/main" id="{45A84089-2130-473E-AB33-627583E384C8}"/>
+                <a16:creationId xmlns:a16="http://schemas.microsoft.com/office/drawing/2014/main" xmlns="" id="{45A84089-2130-473E-AB33-627583E384C8}"/>
               </a:ext>
             </a:extLst>
           </p:cNvPr>
@@ -9677,7 +9847,7 @@
           <p:cNvPr id="61" name="TextBox 60">
             <a:extLst>
               <a:ext uri="{FF2B5EF4-FFF2-40B4-BE49-F238E27FC236}">
-                <a16:creationId xmlns="" xmlns:a16="http://schemas.microsoft.com/office/drawing/2014/main" id="{5F8472A5-248A-4B6E-BAA7-DCBC914968FB}"/>
+                <a16:creationId xmlns:a16="http://schemas.microsoft.com/office/drawing/2014/main" xmlns="" id="{5F8472A5-248A-4B6E-BAA7-DCBC914968FB}"/>
               </a:ext>
             </a:extLst>
           </p:cNvPr>
@@ -9712,7 +9882,7 @@
           <p:cNvPr id="85" name="Rounded Rectangle 8">
             <a:extLst>
               <a:ext uri="{FF2B5EF4-FFF2-40B4-BE49-F238E27FC236}">
-                <a16:creationId xmlns="" xmlns:a16="http://schemas.microsoft.com/office/drawing/2014/main" id="{90095466-BBFA-4F56-AD60-76FB27316305}"/>
+                <a16:creationId xmlns:a16="http://schemas.microsoft.com/office/drawing/2014/main" xmlns="" id="{90095466-BBFA-4F56-AD60-76FB27316305}"/>
               </a:ext>
             </a:extLst>
           </p:cNvPr>
@@ -9771,7 +9941,7 @@
           <p:cNvPr id="86" name="Rounded Rectangle 8">
             <a:extLst>
               <a:ext uri="{FF2B5EF4-FFF2-40B4-BE49-F238E27FC236}">
-                <a16:creationId xmlns="" xmlns:a16="http://schemas.microsoft.com/office/drawing/2014/main" id="{F400A27C-F64A-43D0-92A5-F2FFCD9A53A1}"/>
+                <a16:creationId xmlns:a16="http://schemas.microsoft.com/office/drawing/2014/main" xmlns="" id="{F400A27C-F64A-43D0-92A5-F2FFCD9A53A1}"/>
               </a:ext>
             </a:extLst>
           </p:cNvPr>
@@ -9860,7 +10030,7 @@
           <p:cNvPr id="91" name="Rounded Rectangle 17">
             <a:extLst>
               <a:ext uri="{FF2B5EF4-FFF2-40B4-BE49-F238E27FC236}">
-                <a16:creationId xmlns="" xmlns:a16="http://schemas.microsoft.com/office/drawing/2014/main" id="{21790B9E-7C36-4C9D-995B-592C9B832512}"/>
+                <a16:creationId xmlns:a16="http://schemas.microsoft.com/office/drawing/2014/main" xmlns="" id="{21790B9E-7C36-4C9D-995B-592C9B832512}"/>
               </a:ext>
             </a:extLst>
           </p:cNvPr>
@@ -9919,7 +10089,7 @@
           <p:cNvPr id="92" name="Rounded Rectangle 8">
             <a:extLst>
               <a:ext uri="{FF2B5EF4-FFF2-40B4-BE49-F238E27FC236}">
-                <a16:creationId xmlns="" xmlns:a16="http://schemas.microsoft.com/office/drawing/2014/main" id="{BB068FF9-DD53-4C04-A5F1-1699FA92B522}"/>
+                <a16:creationId xmlns:a16="http://schemas.microsoft.com/office/drawing/2014/main" xmlns="" id="{BB068FF9-DD53-4C04-A5F1-1699FA92B522}"/>
               </a:ext>
             </a:extLst>
           </p:cNvPr>
@@ -10010,7 +10180,7 @@
           <p:cNvPr id="44" name="Text Placeholder 12">
             <a:extLst>
               <a:ext uri="{FF2B5EF4-FFF2-40B4-BE49-F238E27FC236}">
-                <a16:creationId xmlns="" xmlns:a16="http://schemas.microsoft.com/office/drawing/2014/main" id="{765BD682-06F9-4830-8B3A-58467BC03C21}"/>
+                <a16:creationId xmlns:a16="http://schemas.microsoft.com/office/drawing/2014/main" xmlns="" id="{765BD682-06F9-4830-8B3A-58467BC03C21}"/>
               </a:ext>
             </a:extLst>
           </p:cNvPr>
@@ -10190,7 +10360,7 @@
           <p:cNvPr id="47" name="Text Placeholder 12">
             <a:extLst>
               <a:ext uri="{FF2B5EF4-FFF2-40B4-BE49-F238E27FC236}">
-                <a16:creationId xmlns="" xmlns:a16="http://schemas.microsoft.com/office/drawing/2014/main" id="{9C666D4B-B192-45A0-B543-4C518DDF3ACD}"/>
+                <a16:creationId xmlns:a16="http://schemas.microsoft.com/office/drawing/2014/main" xmlns="" id="{9C666D4B-B192-45A0-B543-4C518DDF3ACD}"/>
               </a:ext>
             </a:extLst>
           </p:cNvPr>
@@ -10377,7 +10547,7 @@
           <p:cNvPr id="55" name="TextBox 54">
             <a:extLst>
               <a:ext uri="{FF2B5EF4-FFF2-40B4-BE49-F238E27FC236}">
-                <a16:creationId xmlns="" xmlns:a16="http://schemas.microsoft.com/office/drawing/2014/main" id="{0FA7DF42-95CD-4523-83AE-865A1A22785F}"/>
+                <a16:creationId xmlns:a16="http://schemas.microsoft.com/office/drawing/2014/main" xmlns="" id="{0FA7DF42-95CD-4523-83AE-865A1A22785F}"/>
               </a:ext>
             </a:extLst>
           </p:cNvPr>
@@ -10414,7 +10584,7 @@
           <p:cNvPr id="64" name="TextBox 63">
             <a:extLst>
               <a:ext uri="{FF2B5EF4-FFF2-40B4-BE49-F238E27FC236}">
-                <a16:creationId xmlns="" xmlns:a16="http://schemas.microsoft.com/office/drawing/2014/main" id="{6EFF07C5-8F28-4EFE-9745-51880F059DCD}"/>
+                <a16:creationId xmlns:a16="http://schemas.microsoft.com/office/drawing/2014/main" xmlns="" id="{6EFF07C5-8F28-4EFE-9745-51880F059DCD}"/>
               </a:ext>
             </a:extLst>
           </p:cNvPr>
@@ -10455,7 +10625,7 @@
           <p:cNvPr id="83" name="Rounded Rectangle 5">
             <a:extLst>
               <a:ext uri="{FF2B5EF4-FFF2-40B4-BE49-F238E27FC236}">
-                <a16:creationId xmlns="" xmlns:a16="http://schemas.microsoft.com/office/drawing/2014/main" id="{38EDE310-7B1E-44D2-B14F-44A3CAA7E76B}"/>
+                <a16:creationId xmlns:a16="http://schemas.microsoft.com/office/drawing/2014/main" xmlns="" id="{38EDE310-7B1E-44D2-B14F-44A3CAA7E76B}"/>
               </a:ext>
             </a:extLst>
           </p:cNvPr>
@@ -10514,7 +10684,7 @@
           <p:cNvPr id="84" name="Rounded Rectangle 8">
             <a:extLst>
               <a:ext uri="{FF2B5EF4-FFF2-40B4-BE49-F238E27FC236}">
-                <a16:creationId xmlns="" xmlns:a16="http://schemas.microsoft.com/office/drawing/2014/main" id="{55357BD7-4DC0-4925-9FDD-AF62CA772F12}"/>
+                <a16:creationId xmlns:a16="http://schemas.microsoft.com/office/drawing/2014/main" xmlns="" id="{55357BD7-4DC0-4925-9FDD-AF62CA772F12}"/>
               </a:ext>
             </a:extLst>
           </p:cNvPr>
@@ -10605,7 +10775,7 @@
           <p:cNvPr id="89" name="Rounded Rectangle 14">
             <a:extLst>
               <a:ext uri="{FF2B5EF4-FFF2-40B4-BE49-F238E27FC236}">
-                <a16:creationId xmlns="" xmlns:a16="http://schemas.microsoft.com/office/drawing/2014/main" id="{5F254EB0-D552-40D4-B701-69DAB6573FA6}"/>
+                <a16:creationId xmlns:a16="http://schemas.microsoft.com/office/drawing/2014/main" xmlns="" id="{5F254EB0-D552-40D4-B701-69DAB6573FA6}"/>
               </a:ext>
             </a:extLst>
           </p:cNvPr>
@@ -10664,7 +10834,7 @@
           <p:cNvPr id="90" name="Rounded Rectangle 8">
             <a:extLst>
               <a:ext uri="{FF2B5EF4-FFF2-40B4-BE49-F238E27FC236}">
-                <a16:creationId xmlns="" xmlns:a16="http://schemas.microsoft.com/office/drawing/2014/main" id="{BC487909-E688-41EE-8FB1-464CD81E09C1}"/>
+                <a16:creationId xmlns:a16="http://schemas.microsoft.com/office/drawing/2014/main" xmlns="" id="{BC487909-E688-41EE-8FB1-464CD81E09C1}"/>
               </a:ext>
             </a:extLst>
           </p:cNvPr>
@@ -10753,7 +10923,7 @@
           <p:cNvPr id="43" name="Text Placeholder 12">
             <a:extLst>
               <a:ext uri="{FF2B5EF4-FFF2-40B4-BE49-F238E27FC236}">
-                <a16:creationId xmlns="" xmlns:a16="http://schemas.microsoft.com/office/drawing/2014/main" id="{15324C34-4186-42FF-999A-247C18D6CD4C}"/>
+                <a16:creationId xmlns:a16="http://schemas.microsoft.com/office/drawing/2014/main" xmlns="" id="{15324C34-4186-42FF-999A-247C18D6CD4C}"/>
               </a:ext>
             </a:extLst>
           </p:cNvPr>
@@ -10933,7 +11103,7 @@
           <p:cNvPr id="46" name="Text Placeholder 12">
             <a:extLst>
               <a:ext uri="{FF2B5EF4-FFF2-40B4-BE49-F238E27FC236}">
-                <a16:creationId xmlns="" xmlns:a16="http://schemas.microsoft.com/office/drawing/2014/main" id="{6B3E3451-6979-4EF7-8CBE-74902E913A8E}"/>
+                <a16:creationId xmlns:a16="http://schemas.microsoft.com/office/drawing/2014/main" xmlns="" id="{6B3E3451-6979-4EF7-8CBE-74902E913A8E}"/>
               </a:ext>
             </a:extLst>
           </p:cNvPr>
@@ -11120,7 +11290,7 @@
           <p:cNvPr id="50" name="TextBox 49">
             <a:extLst>
               <a:ext uri="{FF2B5EF4-FFF2-40B4-BE49-F238E27FC236}">
-                <a16:creationId xmlns="" xmlns:a16="http://schemas.microsoft.com/office/drawing/2014/main" id="{8EEE86A0-5417-417B-94E1-6770C7C3248A}"/>
+                <a16:creationId xmlns:a16="http://schemas.microsoft.com/office/drawing/2014/main" xmlns="" id="{8EEE86A0-5417-417B-94E1-6770C7C3248A}"/>
               </a:ext>
             </a:extLst>
           </p:cNvPr>
@@ -11156,7 +11326,7 @@
           <p:cNvPr id="67" name="TextBox 66">
             <a:extLst>
               <a:ext uri="{FF2B5EF4-FFF2-40B4-BE49-F238E27FC236}">
-                <a16:creationId xmlns="" xmlns:a16="http://schemas.microsoft.com/office/drawing/2014/main" id="{C9C0CECB-0A27-4B38-A4C2-27BE28C8ACE6}"/>
+                <a16:creationId xmlns:a16="http://schemas.microsoft.com/office/drawing/2014/main" xmlns="" id="{C9C0CECB-0A27-4B38-A4C2-27BE28C8ACE6}"/>
               </a:ext>
             </a:extLst>
           </p:cNvPr>
@@ -11191,7 +11361,7 @@
           <p:cNvPr id="3" name="Заголовок 2">
             <a:extLst>
               <a:ext uri="{FF2B5EF4-FFF2-40B4-BE49-F238E27FC236}">
-                <a16:creationId xmlns="" xmlns:a16="http://schemas.microsoft.com/office/drawing/2014/main" id="{5B0213BA-D160-4CA8-8BCD-7847F039E5C5}"/>
+                <a16:creationId xmlns:a16="http://schemas.microsoft.com/office/drawing/2014/main" xmlns="" id="{5B0213BA-D160-4CA8-8BCD-7847F039E5C5}"/>
               </a:ext>
             </a:extLst>
           </p:cNvPr>
@@ -11243,7 +11413,7 @@
           <p:cNvPr id="54" name="Rounded Rectangle 5">
             <a:extLst>
               <a:ext uri="{FF2B5EF4-FFF2-40B4-BE49-F238E27FC236}">
-                <a16:creationId xmlns="" xmlns:a16="http://schemas.microsoft.com/office/drawing/2014/main" id="{38EDE310-7B1E-44D2-B14F-44A3CAA7E76B}"/>
+                <a16:creationId xmlns:a16="http://schemas.microsoft.com/office/drawing/2014/main" xmlns="" id="{38EDE310-7B1E-44D2-B14F-44A3CAA7E76B}"/>
               </a:ext>
             </a:extLst>
           </p:cNvPr>
@@ -11302,7 +11472,7 @@
           <p:cNvPr id="56" name="Rounded Rectangle 8">
             <a:extLst>
               <a:ext uri="{FF2B5EF4-FFF2-40B4-BE49-F238E27FC236}">
-                <a16:creationId xmlns="" xmlns:a16="http://schemas.microsoft.com/office/drawing/2014/main" id="{55357BD7-4DC0-4925-9FDD-AF62CA772F12}"/>
+                <a16:creationId xmlns:a16="http://schemas.microsoft.com/office/drawing/2014/main" xmlns="" id="{55357BD7-4DC0-4925-9FDD-AF62CA772F12}"/>
               </a:ext>
             </a:extLst>
           </p:cNvPr>
@@ -11393,7 +11563,7 @@
           <p:cNvPr id="62" name="TextBox 61">
             <a:extLst>
               <a:ext uri="{FF2B5EF4-FFF2-40B4-BE49-F238E27FC236}">
-                <a16:creationId xmlns="" xmlns:a16="http://schemas.microsoft.com/office/drawing/2014/main" id="{8EEE86A0-5417-417B-94E1-6770C7C3248A}"/>
+                <a16:creationId xmlns:a16="http://schemas.microsoft.com/office/drawing/2014/main" xmlns="" id="{8EEE86A0-5417-417B-94E1-6770C7C3248A}"/>
               </a:ext>
             </a:extLst>
           </p:cNvPr>
@@ -11429,7 +11599,7 @@
           <p:cNvPr id="65" name="Text Placeholder 12">
             <a:extLst>
               <a:ext uri="{FF2B5EF4-FFF2-40B4-BE49-F238E27FC236}">
-                <a16:creationId xmlns="" xmlns:a16="http://schemas.microsoft.com/office/drawing/2014/main" id="{45A84089-2130-473E-AB33-627583E384C8}"/>
+                <a16:creationId xmlns:a16="http://schemas.microsoft.com/office/drawing/2014/main" xmlns="" id="{45A84089-2130-473E-AB33-627583E384C8}"/>
               </a:ext>
             </a:extLst>
           </p:cNvPr>
@@ -11609,7 +11779,7 @@
           <p:cNvPr id="68" name="Rounded Rectangle 14">
             <a:extLst>
               <a:ext uri="{FF2B5EF4-FFF2-40B4-BE49-F238E27FC236}">
-                <a16:creationId xmlns="" xmlns:a16="http://schemas.microsoft.com/office/drawing/2014/main" id="{5F254EB0-D552-40D4-B701-69DAB6573FA6}"/>
+                <a16:creationId xmlns:a16="http://schemas.microsoft.com/office/drawing/2014/main" xmlns="" id="{5F254EB0-D552-40D4-B701-69DAB6573FA6}"/>
               </a:ext>
             </a:extLst>
           </p:cNvPr>
@@ -11668,7 +11838,7 @@
           <p:cNvPr id="69" name="Rounded Rectangle 8">
             <a:extLst>
               <a:ext uri="{FF2B5EF4-FFF2-40B4-BE49-F238E27FC236}">
-                <a16:creationId xmlns="" xmlns:a16="http://schemas.microsoft.com/office/drawing/2014/main" id="{BC487909-E688-41EE-8FB1-464CD81E09C1}"/>
+                <a16:creationId xmlns:a16="http://schemas.microsoft.com/office/drawing/2014/main" xmlns="" id="{BC487909-E688-41EE-8FB1-464CD81E09C1}"/>
               </a:ext>
             </a:extLst>
           </p:cNvPr>
@@ -11757,7 +11927,7 @@
           <p:cNvPr id="70" name="Text Placeholder 12">
             <a:extLst>
               <a:ext uri="{FF2B5EF4-FFF2-40B4-BE49-F238E27FC236}">
-                <a16:creationId xmlns="" xmlns:a16="http://schemas.microsoft.com/office/drawing/2014/main" id="{6B3E3451-6979-4EF7-8CBE-74902E913A8E}"/>
+                <a16:creationId xmlns:a16="http://schemas.microsoft.com/office/drawing/2014/main" xmlns="" id="{6B3E3451-6979-4EF7-8CBE-74902E913A8E}"/>
               </a:ext>
             </a:extLst>
           </p:cNvPr>
@@ -11944,7 +12114,7 @@
           <p:cNvPr id="73" name="TextBox 72">
             <a:extLst>
               <a:ext uri="{FF2B5EF4-FFF2-40B4-BE49-F238E27FC236}">
-                <a16:creationId xmlns="" xmlns:a16="http://schemas.microsoft.com/office/drawing/2014/main" id="{C9C0CECB-0A27-4B38-A4C2-27BE28C8ACE6}"/>
+                <a16:creationId xmlns:a16="http://schemas.microsoft.com/office/drawing/2014/main" xmlns="" id="{C9C0CECB-0A27-4B38-A4C2-27BE28C8ACE6}"/>
               </a:ext>
             </a:extLst>
           </p:cNvPr>
@@ -12036,7 +12206,7 @@
           <p:cNvPr id="34" name="Snip Single Corner Rectangle 3">
             <a:extLst>
               <a:ext uri="{FF2B5EF4-FFF2-40B4-BE49-F238E27FC236}">
-                <a16:creationId xmlns="" xmlns:a16="http://schemas.microsoft.com/office/drawing/2014/main" id="{62FFA9DA-F5BA-4E1E-9D84-0977BF971FC3}"/>
+                <a16:creationId xmlns:a16="http://schemas.microsoft.com/office/drawing/2014/main" xmlns="" id="{62FFA9DA-F5BA-4E1E-9D84-0977BF971FC3}"/>
               </a:ext>
             </a:extLst>
           </p:cNvPr>
@@ -12096,7 +12266,7 @@
           <p:cNvPr id="35" name="Rectangle 4">
             <a:extLst>
               <a:ext uri="{FF2B5EF4-FFF2-40B4-BE49-F238E27FC236}">
-                <a16:creationId xmlns="" xmlns:a16="http://schemas.microsoft.com/office/drawing/2014/main" id="{53FB9C39-9EBB-4689-B464-2BFD7D4E9DBD}"/>
+                <a16:creationId xmlns:a16="http://schemas.microsoft.com/office/drawing/2014/main" xmlns="" id="{53FB9C39-9EBB-4689-B464-2BFD7D4E9DBD}"/>
               </a:ext>
             </a:extLst>
           </p:cNvPr>
@@ -12151,7 +12321,7 @@
           <p:cNvPr id="36" name="TextBox 35">
             <a:extLst>
               <a:ext uri="{FF2B5EF4-FFF2-40B4-BE49-F238E27FC236}">
-                <a16:creationId xmlns="" xmlns:a16="http://schemas.microsoft.com/office/drawing/2014/main" id="{9DFD25C5-5099-42C6-9898-200C22FC91C7}"/>
+                <a16:creationId xmlns:a16="http://schemas.microsoft.com/office/drawing/2014/main" xmlns="" id="{9DFD25C5-5099-42C6-9898-200C22FC91C7}"/>
               </a:ext>
             </a:extLst>
           </p:cNvPr>
@@ -12202,7 +12372,7 @@
           <p:cNvPr id="37" name="TextBox 36">
             <a:extLst>
               <a:ext uri="{FF2B5EF4-FFF2-40B4-BE49-F238E27FC236}">
-                <a16:creationId xmlns="" xmlns:a16="http://schemas.microsoft.com/office/drawing/2014/main" id="{0C745936-946A-4B68-A3C9-3D0723F83FD0}"/>
+                <a16:creationId xmlns:a16="http://schemas.microsoft.com/office/drawing/2014/main" xmlns="" id="{0C745936-946A-4B68-A3C9-3D0723F83FD0}"/>
               </a:ext>
             </a:extLst>
           </p:cNvPr>
@@ -12245,7 +12415,7 @@
           <p:cNvPr id="38" name="Snip Single Corner Rectangle 11">
             <a:extLst>
               <a:ext uri="{FF2B5EF4-FFF2-40B4-BE49-F238E27FC236}">
-                <a16:creationId xmlns="" xmlns:a16="http://schemas.microsoft.com/office/drawing/2014/main" id="{543495E1-B7DB-425E-BFF5-886F9F092BFE}"/>
+                <a16:creationId xmlns:a16="http://schemas.microsoft.com/office/drawing/2014/main" xmlns="" id="{543495E1-B7DB-425E-BFF5-886F9F092BFE}"/>
               </a:ext>
             </a:extLst>
           </p:cNvPr>
@@ -12306,7 +12476,7 @@
           <p:cNvPr id="39" name="Rectangle 12">
             <a:extLst>
               <a:ext uri="{FF2B5EF4-FFF2-40B4-BE49-F238E27FC236}">
-                <a16:creationId xmlns="" xmlns:a16="http://schemas.microsoft.com/office/drawing/2014/main" id="{473F1A32-16EE-4B5E-9ABD-FF49B6678BCD}"/>
+                <a16:creationId xmlns:a16="http://schemas.microsoft.com/office/drawing/2014/main" xmlns="" id="{473F1A32-16EE-4B5E-9ABD-FF49B6678BCD}"/>
               </a:ext>
             </a:extLst>
           </p:cNvPr>
@@ -12361,7 +12531,7 @@
           <p:cNvPr id="41" name="Snip Single Corner Rectangle 27">
             <a:extLst>
               <a:ext uri="{FF2B5EF4-FFF2-40B4-BE49-F238E27FC236}">
-                <a16:creationId xmlns="" xmlns:a16="http://schemas.microsoft.com/office/drawing/2014/main" id="{062BAB97-95A6-4E27-9A57-4767002B9B4B}"/>
+                <a16:creationId xmlns:a16="http://schemas.microsoft.com/office/drawing/2014/main" xmlns="" id="{062BAB97-95A6-4E27-9A57-4767002B9B4B}"/>
               </a:ext>
             </a:extLst>
           </p:cNvPr>
@@ -12422,7 +12592,7 @@
           <p:cNvPr id="42" name="Rectangle 28">
             <a:extLst>
               <a:ext uri="{FF2B5EF4-FFF2-40B4-BE49-F238E27FC236}">
-                <a16:creationId xmlns="" xmlns:a16="http://schemas.microsoft.com/office/drawing/2014/main" id="{53B38A2A-91E0-4B59-AF95-33E34F13B448}"/>
+                <a16:creationId xmlns:a16="http://schemas.microsoft.com/office/drawing/2014/main" xmlns="" id="{53B38A2A-91E0-4B59-AF95-33E34F13B448}"/>
               </a:ext>
             </a:extLst>
           </p:cNvPr>
@@ -12479,7 +12649,7 @@
           <p:cNvPr id="43" name="TextBox 42">
             <a:extLst>
               <a:ext uri="{FF2B5EF4-FFF2-40B4-BE49-F238E27FC236}">
-                <a16:creationId xmlns="" xmlns:a16="http://schemas.microsoft.com/office/drawing/2014/main" id="{D537932D-77D6-44DC-B5D4-687ED833599A}"/>
+                <a16:creationId xmlns:a16="http://schemas.microsoft.com/office/drawing/2014/main" xmlns="" id="{D537932D-77D6-44DC-B5D4-687ED833599A}"/>
               </a:ext>
             </a:extLst>
           </p:cNvPr>
@@ -12530,7 +12700,7 @@
           <p:cNvPr id="44" name="Snip Single Corner Rectangle 35">
             <a:extLst>
               <a:ext uri="{FF2B5EF4-FFF2-40B4-BE49-F238E27FC236}">
-                <a16:creationId xmlns="" xmlns:a16="http://schemas.microsoft.com/office/drawing/2014/main" id="{0BD99000-4599-4ABD-8C32-D56516DCD5C3}"/>
+                <a16:creationId xmlns:a16="http://schemas.microsoft.com/office/drawing/2014/main" xmlns="" id="{0BD99000-4599-4ABD-8C32-D56516DCD5C3}"/>
               </a:ext>
             </a:extLst>
           </p:cNvPr>
@@ -12590,7 +12760,7 @@
           <p:cNvPr id="45" name="Rectangle 36">
             <a:extLst>
               <a:ext uri="{FF2B5EF4-FFF2-40B4-BE49-F238E27FC236}">
-                <a16:creationId xmlns="" xmlns:a16="http://schemas.microsoft.com/office/drawing/2014/main" id="{2AB65B50-6C6E-4EDD-979A-225C30EE87B0}"/>
+                <a16:creationId xmlns:a16="http://schemas.microsoft.com/office/drawing/2014/main" xmlns="" id="{2AB65B50-6C6E-4EDD-979A-225C30EE87B0}"/>
               </a:ext>
             </a:extLst>
           </p:cNvPr>
@@ -12645,7 +12815,7 @@
           <p:cNvPr id="46" name="TextBox 45">
             <a:extLst>
               <a:ext uri="{FF2B5EF4-FFF2-40B4-BE49-F238E27FC236}">
-                <a16:creationId xmlns="" xmlns:a16="http://schemas.microsoft.com/office/drawing/2014/main" id="{75C2B45F-931B-45D0-911C-814D3C70E172}"/>
+                <a16:creationId xmlns:a16="http://schemas.microsoft.com/office/drawing/2014/main" xmlns="" id="{75C2B45F-931B-45D0-911C-814D3C70E172}"/>
               </a:ext>
             </a:extLst>
           </p:cNvPr>
@@ -12696,7 +12866,7 @@
           <p:cNvPr id="51" name="TextBox 50">
             <a:extLst>
               <a:ext uri="{FF2B5EF4-FFF2-40B4-BE49-F238E27FC236}">
-                <a16:creationId xmlns="" xmlns:a16="http://schemas.microsoft.com/office/drawing/2014/main" id="{F043FE52-062D-4FDF-978B-D7797056C4B7}"/>
+                <a16:creationId xmlns:a16="http://schemas.microsoft.com/office/drawing/2014/main" xmlns="" id="{F043FE52-062D-4FDF-978B-D7797056C4B7}"/>
               </a:ext>
             </a:extLst>
           </p:cNvPr>
@@ -12747,7 +12917,7 @@
           <p:cNvPr id="52" name="TextBox 51">
             <a:extLst>
               <a:ext uri="{FF2B5EF4-FFF2-40B4-BE49-F238E27FC236}">
-                <a16:creationId xmlns="" xmlns:a16="http://schemas.microsoft.com/office/drawing/2014/main" id="{641BA5CC-261B-4761-BECD-9051E6C4984F}"/>
+                <a16:creationId xmlns:a16="http://schemas.microsoft.com/office/drawing/2014/main" xmlns="" id="{641BA5CC-261B-4761-BECD-9051E6C4984F}"/>
               </a:ext>
             </a:extLst>
           </p:cNvPr>
@@ -12798,7 +12968,7 @@
           <p:cNvPr id="53" name="TextBox 52">
             <a:extLst>
               <a:ext uri="{FF2B5EF4-FFF2-40B4-BE49-F238E27FC236}">
-                <a16:creationId xmlns="" xmlns:a16="http://schemas.microsoft.com/office/drawing/2014/main" id="{87A6FAC7-0EAA-4EE9-8A01-C3B39D4005B6}"/>
+                <a16:creationId xmlns:a16="http://schemas.microsoft.com/office/drawing/2014/main" xmlns="" id="{87A6FAC7-0EAA-4EE9-8A01-C3B39D4005B6}"/>
               </a:ext>
             </a:extLst>
           </p:cNvPr>
@@ -12853,7 +13023,7 @@
           <p:cNvPr id="54" name="TextBox 53">
             <a:extLst>
               <a:ext uri="{FF2B5EF4-FFF2-40B4-BE49-F238E27FC236}">
-                <a16:creationId xmlns="" xmlns:a16="http://schemas.microsoft.com/office/drawing/2014/main" id="{7A57D1BD-646B-4767-BCAB-0E8BF64785BF}"/>
+                <a16:creationId xmlns:a16="http://schemas.microsoft.com/office/drawing/2014/main" xmlns="" id="{7A57D1BD-646B-4767-BCAB-0E8BF64785BF}"/>
               </a:ext>
             </a:extLst>
           </p:cNvPr>
@@ -12904,7 +13074,7 @@
           <p:cNvPr id="28" name="Заголовок 2">
             <a:extLst>
               <a:ext uri="{FF2B5EF4-FFF2-40B4-BE49-F238E27FC236}">
-                <a16:creationId xmlns="" xmlns:a16="http://schemas.microsoft.com/office/drawing/2014/main" id="{5B0213BA-D160-4CA8-8BCD-7847F039E5C5}"/>
+                <a16:creationId xmlns:a16="http://schemas.microsoft.com/office/drawing/2014/main" xmlns="" id="{5B0213BA-D160-4CA8-8BCD-7847F039E5C5}"/>
               </a:ext>
             </a:extLst>
           </p:cNvPr>
@@ -12951,47 +13121,6 @@
           </a:p>
         </p:txBody>
       </p:sp>
-      <p:pic>
-        <p:nvPicPr>
-          <p:cNvPr id="5122" name="Picture 2" descr="C:\Users\vlad\Downloads\Python.png"/>
-          <p:cNvPicPr>
-            <a:picLocks noChangeAspect="1" noChangeArrowheads="1"/>
-          </p:cNvPicPr>
-          <p:nvPr/>
-        </p:nvPicPr>
-        <p:blipFill>
-          <a:blip cstate="print">
-            <a:extLst>
-              <a:ext uri="{28A0092B-C50C-407E-A947-70E740481C1C}">
-                <a14:useLocalDpi xmlns:a14="http://schemas.microsoft.com/office/drawing/2010/main" val="0"/>
-              </a:ext>
-            </a:extLst>
-          </a:blip>
-          <a:srcRect/>
-          <a:stretch>
-            <a:fillRect/>
-          </a:stretch>
-        </p:blipFill>
-        <p:spPr bwMode="auto">
-          <a:xfrm>
-            <a:off x="1148067" y="3119929"/>
-            <a:ext cx="993614" cy="993614"/>
-          </a:xfrm>
-          <a:prstGeom prst="rect">
-            <a:avLst/>
-          </a:prstGeom>
-          <a:noFill/>
-          <a:extLst>
-            <a:ext uri="{909E8E84-426E-40DD-AFC4-6F175D3DCCD1}">
-              <a14:hiddenFill xmlns:a14="http://schemas.microsoft.com/office/drawing/2010/main">
-                <a:solidFill>
-                  <a:srgbClr val="FFFFFF"/>
-                </a:solidFill>
-              </a14:hiddenFill>
-            </a:ext>
-          </a:extLst>
-        </p:spPr>
-      </p:pic>
       <p:pic>
         <p:nvPicPr>
           <p:cNvPr id="5124" name="Picture 4" descr="https://kursovik.com/pic/totalmdf.gif"/>
@@ -13038,7 +13167,7 @@
           <p:cNvPr id="47" name="TextBox 46">
             <a:extLst>
               <a:ext uri="{FF2B5EF4-FFF2-40B4-BE49-F238E27FC236}">
-                <a16:creationId xmlns="" xmlns:a16="http://schemas.microsoft.com/office/drawing/2014/main" id="{9DFD25C5-5099-42C6-9898-200C22FC91C7}"/>
+                <a16:creationId xmlns:a16="http://schemas.microsoft.com/office/drawing/2014/main" xmlns="" id="{9DFD25C5-5099-42C6-9898-200C22FC91C7}"/>
               </a:ext>
             </a:extLst>
           </p:cNvPr>
@@ -13166,6 +13295,47 @@
           </a:extLst>
         </p:spPr>
       </p:pic>
+      <p:pic>
+        <p:nvPicPr>
+          <p:cNvPr id="4098" name="Picture 2" descr="https://www.freepngimg.com/thumb/android/72537-icons-python-programming-computer-social-tutorial.png"/>
+          <p:cNvPicPr>
+            <a:picLocks noChangeAspect="1" noChangeArrowheads="1"/>
+          </p:cNvPicPr>
+          <p:nvPr/>
+        </p:nvPicPr>
+        <p:blipFill>
+          <a:blip r:embed="rId5" cstate="print">
+            <a:extLst>
+              <a:ext uri="{28A0092B-C50C-407E-A947-70E740481C1C}">
+                <a14:useLocalDpi xmlns:a14="http://schemas.microsoft.com/office/drawing/2010/main" val="0"/>
+              </a:ext>
+            </a:extLst>
+          </a:blip>
+          <a:srcRect/>
+          <a:stretch>
+            <a:fillRect/>
+          </a:stretch>
+        </p:blipFill>
+        <p:spPr bwMode="auto">
+          <a:xfrm>
+            <a:off x="1007604" y="3009602"/>
+            <a:ext cx="1296144" cy="1296144"/>
+          </a:xfrm>
+          <a:prstGeom prst="rect">
+            <a:avLst/>
+          </a:prstGeom>
+          <a:noFill/>
+          <a:extLst>
+            <a:ext uri="{909E8E84-426E-40DD-AFC4-6F175D3DCCD1}">
+              <a14:hiddenFill xmlns:a14="http://schemas.microsoft.com/office/drawing/2010/main">
+                <a:solidFill>
+                  <a:srgbClr val="FFFFFF"/>
+                </a:solidFill>
+              </a14:hiddenFill>
+            </a:ext>
+          </a:extLst>
+        </p:spPr>
+      </p:pic>
     </p:spTree>
     <p:extLst>
       <p:ext uri="{BB962C8B-B14F-4D97-AF65-F5344CB8AC3E}">
@@ -13220,7 +13390,7 @@
           <p:cNvPr id="3" name="Прямоугольник 2">
             <a:extLst>
               <a:ext uri="{FF2B5EF4-FFF2-40B4-BE49-F238E27FC236}">
-                <a16:creationId xmlns="" xmlns:a16="http://schemas.microsoft.com/office/drawing/2014/main" id="{959E4FA9-F4F9-402B-A060-84A06F5A6373}"/>
+                <a16:creationId xmlns:a16="http://schemas.microsoft.com/office/drawing/2014/main" xmlns="" id="{959E4FA9-F4F9-402B-A060-84A06F5A6373}"/>
               </a:ext>
             </a:extLst>
           </p:cNvPr>
@@ -13272,7 +13442,7 @@
           <p:cNvPr id="5" name="Oval 7">
             <a:extLst>
               <a:ext uri="{FF2B5EF4-FFF2-40B4-BE49-F238E27FC236}">
-                <a16:creationId xmlns="" xmlns:a16="http://schemas.microsoft.com/office/drawing/2014/main" id="{F5B796DF-5BB3-4015-9CF1-A8B882610369}"/>
+                <a16:creationId xmlns:a16="http://schemas.microsoft.com/office/drawing/2014/main" xmlns="" id="{F5B796DF-5BB3-4015-9CF1-A8B882610369}"/>
               </a:ext>
             </a:extLst>
           </p:cNvPr>
@@ -13330,7 +13500,7 @@
           <p:cNvPr id="6" name="Oval 7">
             <a:extLst>
               <a:ext uri="{FF2B5EF4-FFF2-40B4-BE49-F238E27FC236}">
-                <a16:creationId xmlns="" xmlns:a16="http://schemas.microsoft.com/office/drawing/2014/main" id="{44CB67F4-0506-459C-999B-98180B9CCD0B}"/>
+                <a16:creationId xmlns:a16="http://schemas.microsoft.com/office/drawing/2014/main" xmlns="" id="{44CB67F4-0506-459C-999B-98180B9CCD0B}"/>
               </a:ext>
             </a:extLst>
           </p:cNvPr>
@@ -13386,7 +13556,7 @@
           <p:cNvPr id="7" name="Прямоугольник 6">
             <a:extLst>
               <a:ext uri="{FF2B5EF4-FFF2-40B4-BE49-F238E27FC236}">
-                <a16:creationId xmlns="" xmlns:a16="http://schemas.microsoft.com/office/drawing/2014/main" id="{82C6A671-2333-4605-B72D-894E9AD0B96E}"/>
+                <a16:creationId xmlns:a16="http://schemas.microsoft.com/office/drawing/2014/main" xmlns="" id="{82C6A671-2333-4605-B72D-894E9AD0B96E}"/>
               </a:ext>
             </a:extLst>
           </p:cNvPr>
@@ -13445,7 +13615,7 @@
           <p:cNvPr id="8" name="Прямоугольник 7">
             <a:extLst>
               <a:ext uri="{FF2B5EF4-FFF2-40B4-BE49-F238E27FC236}">
-                <a16:creationId xmlns="" xmlns:a16="http://schemas.microsoft.com/office/drawing/2014/main" id="{34B3486D-044B-4ABC-AC17-AD2E7AAB0D6F}"/>
+                <a16:creationId xmlns:a16="http://schemas.microsoft.com/office/drawing/2014/main" xmlns="" id="{34B3486D-044B-4ABC-AC17-AD2E7AAB0D6F}"/>
               </a:ext>
             </a:extLst>
           </p:cNvPr>
@@ -13500,7 +13670,7 @@
           <p:cNvPr id="9" name="Прямоугольник 8">
             <a:extLst>
               <a:ext uri="{FF2B5EF4-FFF2-40B4-BE49-F238E27FC236}">
-                <a16:creationId xmlns="" xmlns:a16="http://schemas.microsoft.com/office/drawing/2014/main" id="{995662B2-E06C-44A9-B3C3-A2416745EED1}"/>
+                <a16:creationId xmlns:a16="http://schemas.microsoft.com/office/drawing/2014/main" xmlns="" id="{995662B2-E06C-44A9-B3C3-A2416745EED1}"/>
               </a:ext>
             </a:extLst>
           </p:cNvPr>
@@ -13543,7 +13713,7 @@
           <p:cNvPr id="4" name="Oval 7">
             <a:extLst>
               <a:ext uri="{FF2B5EF4-FFF2-40B4-BE49-F238E27FC236}">
-                <a16:creationId xmlns="" xmlns:a16="http://schemas.microsoft.com/office/drawing/2014/main" id="{F867D8BF-3A9E-4C03-BFE9-9F07056C235B}"/>
+                <a16:creationId xmlns:a16="http://schemas.microsoft.com/office/drawing/2014/main" xmlns="" id="{F867D8BF-3A9E-4C03-BFE9-9F07056C235B}"/>
               </a:ext>
             </a:extLst>
           </p:cNvPr>
@@ -13601,7 +13771,7 @@
           <p:cNvPr id="16" name="Заголовок 2">
             <a:extLst>
               <a:ext uri="{FF2B5EF4-FFF2-40B4-BE49-F238E27FC236}">
-                <a16:creationId xmlns="" xmlns:a16="http://schemas.microsoft.com/office/drawing/2014/main" id="{5B0213BA-D160-4CA8-8BCD-7847F039E5C5}"/>
+                <a16:creationId xmlns:a16="http://schemas.microsoft.com/office/drawing/2014/main" xmlns="" id="{5B0213BA-D160-4CA8-8BCD-7847F039E5C5}"/>
               </a:ext>
             </a:extLst>
           </p:cNvPr>
@@ -13955,7 +14125,7 @@
           <p:cNvPr id="3" name="Прямоугольник 2">
             <a:extLst>
               <a:ext uri="{FF2B5EF4-FFF2-40B4-BE49-F238E27FC236}">
-                <a16:creationId xmlns="" xmlns:a16="http://schemas.microsoft.com/office/drawing/2014/main" id="{959E4FA9-F4F9-402B-A060-84A06F5A6373}"/>
+                <a16:creationId xmlns:a16="http://schemas.microsoft.com/office/drawing/2014/main" xmlns="" id="{959E4FA9-F4F9-402B-A060-84A06F5A6373}"/>
               </a:ext>
             </a:extLst>
           </p:cNvPr>
@@ -14007,7 +14177,7 @@
           <p:cNvPr id="7" name="Прямоугольник 6">
             <a:extLst>
               <a:ext uri="{FF2B5EF4-FFF2-40B4-BE49-F238E27FC236}">
-                <a16:creationId xmlns="" xmlns:a16="http://schemas.microsoft.com/office/drawing/2014/main" id="{82C6A671-2333-4605-B72D-894E9AD0B96E}"/>
+                <a16:creationId xmlns:a16="http://schemas.microsoft.com/office/drawing/2014/main" xmlns="" id="{82C6A671-2333-4605-B72D-894E9AD0B96E}"/>
               </a:ext>
             </a:extLst>
           </p:cNvPr>
@@ -14058,7 +14228,7 @@
           <p:cNvPr id="9" name="Прямоугольник 8">
             <a:extLst>
               <a:ext uri="{FF2B5EF4-FFF2-40B4-BE49-F238E27FC236}">
-                <a16:creationId xmlns="" xmlns:a16="http://schemas.microsoft.com/office/drawing/2014/main" id="{995662B2-E06C-44A9-B3C3-A2416745EED1}"/>
+                <a16:creationId xmlns:a16="http://schemas.microsoft.com/office/drawing/2014/main" xmlns="" id="{995662B2-E06C-44A9-B3C3-A2416745EED1}"/>
               </a:ext>
             </a:extLst>
           </p:cNvPr>
@@ -14101,7 +14271,7 @@
           <p:cNvPr id="16" name="Заголовок 2">
             <a:extLst>
               <a:ext uri="{FF2B5EF4-FFF2-40B4-BE49-F238E27FC236}">
-                <a16:creationId xmlns="" xmlns:a16="http://schemas.microsoft.com/office/drawing/2014/main" id="{5B0213BA-D160-4CA8-8BCD-7847F039E5C5}"/>
+                <a16:creationId xmlns:a16="http://schemas.microsoft.com/office/drawing/2014/main" xmlns="" id="{5B0213BA-D160-4CA8-8BCD-7847F039E5C5}"/>
               </a:ext>
             </a:extLst>
           </p:cNvPr>
@@ -14334,7 +14504,7 @@
           <p:cNvPr id="12" name="Oval 7">
             <a:extLst>
               <a:ext uri="{FF2B5EF4-FFF2-40B4-BE49-F238E27FC236}">
-                <a16:creationId xmlns="" xmlns:a16="http://schemas.microsoft.com/office/drawing/2014/main" id="{F5B796DF-5BB3-4015-9CF1-A8B882610369}"/>
+                <a16:creationId xmlns:a16="http://schemas.microsoft.com/office/drawing/2014/main" xmlns="" id="{F5B796DF-5BB3-4015-9CF1-A8B882610369}"/>
               </a:ext>
             </a:extLst>
           </p:cNvPr>
@@ -14392,7 +14562,7 @@
           <p:cNvPr id="13" name="Oval 7">
             <a:extLst>
               <a:ext uri="{FF2B5EF4-FFF2-40B4-BE49-F238E27FC236}">
-                <a16:creationId xmlns="" xmlns:a16="http://schemas.microsoft.com/office/drawing/2014/main" id="{F867D8BF-3A9E-4C03-BFE9-9F07056C235B}"/>
+                <a16:creationId xmlns:a16="http://schemas.microsoft.com/office/drawing/2014/main" xmlns="" id="{F867D8BF-3A9E-4C03-BFE9-9F07056C235B}"/>
               </a:ext>
             </a:extLst>
           </p:cNvPr>
@@ -14450,7 +14620,7 @@
           <p:cNvPr id="14" name="Oval 7">
             <a:extLst>
               <a:ext uri="{FF2B5EF4-FFF2-40B4-BE49-F238E27FC236}">
-                <a16:creationId xmlns="" xmlns:a16="http://schemas.microsoft.com/office/drawing/2014/main" id="{44CB67F4-0506-459C-999B-98180B9CCD0B}"/>
+                <a16:creationId xmlns:a16="http://schemas.microsoft.com/office/drawing/2014/main" xmlns="" id="{44CB67F4-0506-459C-999B-98180B9CCD0B}"/>
               </a:ext>
             </a:extLst>
           </p:cNvPr>
@@ -14506,7 +14676,7 @@
           <p:cNvPr id="15" name="Прямоугольник 14">
             <a:extLst>
               <a:ext uri="{FF2B5EF4-FFF2-40B4-BE49-F238E27FC236}">
-                <a16:creationId xmlns="" xmlns:a16="http://schemas.microsoft.com/office/drawing/2014/main" id="{34B3486D-044B-4ABC-AC17-AD2E7AAB0D6F}"/>
+                <a16:creationId xmlns:a16="http://schemas.microsoft.com/office/drawing/2014/main" xmlns="" id="{34B3486D-044B-4ABC-AC17-AD2E7AAB0D6F}"/>
               </a:ext>
             </a:extLst>
           </p:cNvPr>
@@ -14980,8 +15150,8 @@
         </p:nvSpPr>
         <p:spPr>
           <a:xfrm>
-            <a:off x="107504" y="978045"/>
-            <a:ext cx="8896282" cy="523220"/>
+            <a:off x="-32324" y="764703"/>
+            <a:ext cx="9361040" cy="954107"/>
           </a:xfrm>
           <a:prstGeom prst="rect">
             <a:avLst/>
@@ -14989,14 +15159,23 @@
           <a:noFill/>
         </p:spPr>
         <p:txBody>
-          <a:bodyPr wrap="none" rtlCol="0">
+          <a:bodyPr wrap="square" rtlCol="0">
             <a:spAutoFit/>
           </a:bodyPr>
           <a:lstStyle/>
           <a:p>
+            <a:pPr algn="ctr"/>
             <a:r>
               <a:rPr lang="ru-RU" sz="2800" dirty="0" smtClean="0"/>
-              <a:t>Схема основных классов и вспомогательных им функций</a:t>
+              <a:t>Схема основных классов и вспомогательных </a:t>
+            </a:r>
+            <a:r>
+              <a:rPr lang="ru-RU" sz="2800" dirty="0" smtClean="0"/>
+              <a:t>для них </a:t>
+            </a:r>
+            <a:r>
+              <a:rPr lang="ru-RU" sz="2800" dirty="0" smtClean="0"/>
+              <a:t>функций</a:t>
             </a:r>
             <a:endParaRPr lang="ru-RU" sz="2800" dirty="0"/>
           </a:p>
